--- a/Containerized Applications.pptx
+++ b/Containerized Applications.pptx
@@ -13,16 +13,17 @@
     <p:sldId id="259" r:id="rId7"/>
     <p:sldId id="266" r:id="rId8"/>
     <p:sldId id="281" r:id="rId9"/>
-    <p:sldId id="268" r:id="rId10"/>
-    <p:sldId id="273" r:id="rId11"/>
-    <p:sldId id="276" r:id="rId12"/>
-    <p:sldId id="269" r:id="rId13"/>
-    <p:sldId id="274" r:id="rId14"/>
-    <p:sldId id="270" r:id="rId15"/>
-    <p:sldId id="275" r:id="rId16"/>
-    <p:sldId id="277" r:id="rId17"/>
-    <p:sldId id="280" r:id="rId18"/>
-    <p:sldId id="265" r:id="rId19"/>
+    <p:sldId id="282" r:id="rId10"/>
+    <p:sldId id="268" r:id="rId11"/>
+    <p:sldId id="273" r:id="rId12"/>
+    <p:sldId id="276" r:id="rId13"/>
+    <p:sldId id="269" r:id="rId14"/>
+    <p:sldId id="274" r:id="rId15"/>
+    <p:sldId id="270" r:id="rId16"/>
+    <p:sldId id="275" r:id="rId17"/>
+    <p:sldId id="277" r:id="rId18"/>
+    <p:sldId id="280" r:id="rId19"/>
+    <p:sldId id="265" r:id="rId20"/>
   </p:sldIdLst>
   <p:sldSz cx="12192000" cy="6858000"/>
   <p:notesSz cx="6858000" cy="9144000"/>
@@ -1069,6 +1070,753 @@
 </dgm:colorsDef>
 </file>
 
+<file path=ppt/diagrams/colors2.xml><?xml version="1.0" encoding="utf-8"?>
+<dgm:colorsDef xmlns:dgm="http://schemas.openxmlformats.org/drawingml/2006/diagram" xmlns:a="http://schemas.openxmlformats.org/drawingml/2006/main" uniqueId="urn:microsoft.com/office/officeart/2005/8/colors/accent1_2">
+  <dgm:title val=""/>
+  <dgm:desc val=""/>
+  <dgm:catLst>
+    <dgm:cat type="accent1" pri="11200"/>
+  </dgm:catLst>
+  <dgm:styleLbl name="node0">
+    <dgm:fillClrLst meth="repeat">
+      <a:schemeClr val="accent1"/>
+    </dgm:fillClrLst>
+    <dgm:linClrLst meth="repeat">
+      <a:schemeClr val="lt1"/>
+    </dgm:linClrLst>
+    <dgm:effectClrLst/>
+    <dgm:txLinClrLst/>
+    <dgm:txFillClrLst/>
+    <dgm:txEffectClrLst/>
+  </dgm:styleLbl>
+  <dgm:styleLbl name="alignNode1">
+    <dgm:fillClrLst meth="repeat">
+      <a:schemeClr val="accent1"/>
+    </dgm:fillClrLst>
+    <dgm:linClrLst meth="repeat">
+      <a:schemeClr val="accent1"/>
+    </dgm:linClrLst>
+    <dgm:effectClrLst/>
+    <dgm:txLinClrLst/>
+    <dgm:txFillClrLst/>
+    <dgm:txEffectClrLst/>
+  </dgm:styleLbl>
+  <dgm:styleLbl name="node1">
+    <dgm:fillClrLst meth="repeat">
+      <a:schemeClr val="accent1"/>
+    </dgm:fillClrLst>
+    <dgm:linClrLst meth="repeat">
+      <a:schemeClr val="lt1"/>
+    </dgm:linClrLst>
+    <dgm:effectClrLst/>
+    <dgm:txLinClrLst/>
+    <dgm:txFillClrLst/>
+    <dgm:txEffectClrLst/>
+  </dgm:styleLbl>
+  <dgm:styleLbl name="lnNode1">
+    <dgm:fillClrLst meth="repeat">
+      <a:schemeClr val="accent1"/>
+    </dgm:fillClrLst>
+    <dgm:linClrLst meth="repeat">
+      <a:schemeClr val="lt1"/>
+    </dgm:linClrLst>
+    <dgm:effectClrLst/>
+    <dgm:txLinClrLst/>
+    <dgm:txFillClrLst/>
+    <dgm:txEffectClrLst/>
+  </dgm:styleLbl>
+  <dgm:styleLbl name="vennNode1">
+    <dgm:fillClrLst meth="repeat">
+      <a:schemeClr val="accent1">
+        <a:alpha val="50000"/>
+      </a:schemeClr>
+    </dgm:fillClrLst>
+    <dgm:linClrLst meth="repeat">
+      <a:schemeClr val="lt1"/>
+    </dgm:linClrLst>
+    <dgm:effectClrLst/>
+    <dgm:txLinClrLst/>
+    <dgm:txFillClrLst/>
+    <dgm:txEffectClrLst/>
+  </dgm:styleLbl>
+  <dgm:styleLbl name="node2">
+    <dgm:fillClrLst meth="repeat">
+      <a:schemeClr val="accent1"/>
+    </dgm:fillClrLst>
+    <dgm:linClrLst meth="repeat">
+      <a:schemeClr val="lt1"/>
+    </dgm:linClrLst>
+    <dgm:effectClrLst/>
+    <dgm:txLinClrLst/>
+    <dgm:txFillClrLst/>
+    <dgm:txEffectClrLst/>
+  </dgm:styleLbl>
+  <dgm:styleLbl name="node3">
+    <dgm:fillClrLst meth="repeat">
+      <a:schemeClr val="accent1"/>
+    </dgm:fillClrLst>
+    <dgm:linClrLst meth="repeat">
+      <a:schemeClr val="lt1"/>
+    </dgm:linClrLst>
+    <dgm:effectClrLst/>
+    <dgm:txLinClrLst/>
+    <dgm:txFillClrLst/>
+    <dgm:txEffectClrLst/>
+  </dgm:styleLbl>
+  <dgm:styleLbl name="node4">
+    <dgm:fillClrLst meth="repeat">
+      <a:schemeClr val="accent1"/>
+    </dgm:fillClrLst>
+    <dgm:linClrLst meth="repeat">
+      <a:schemeClr val="lt1"/>
+    </dgm:linClrLst>
+    <dgm:effectClrLst/>
+    <dgm:txLinClrLst/>
+    <dgm:txFillClrLst/>
+    <dgm:txEffectClrLst/>
+  </dgm:styleLbl>
+  <dgm:styleLbl name="fgImgPlace1">
+    <dgm:fillClrLst meth="repeat">
+      <a:schemeClr val="accent1">
+        <a:tint val="50000"/>
+      </a:schemeClr>
+    </dgm:fillClrLst>
+    <dgm:linClrLst meth="repeat">
+      <a:schemeClr val="lt1"/>
+    </dgm:linClrLst>
+    <dgm:effectClrLst/>
+    <dgm:txLinClrLst/>
+    <dgm:txFillClrLst meth="repeat">
+      <a:schemeClr val="lt1"/>
+    </dgm:txFillClrLst>
+    <dgm:txEffectClrLst/>
+  </dgm:styleLbl>
+  <dgm:styleLbl name="alignImgPlace1">
+    <dgm:fillClrLst meth="repeat">
+      <a:schemeClr val="accent1">
+        <a:tint val="50000"/>
+      </a:schemeClr>
+    </dgm:fillClrLst>
+    <dgm:linClrLst meth="repeat">
+      <a:schemeClr val="lt1"/>
+    </dgm:linClrLst>
+    <dgm:effectClrLst/>
+    <dgm:txLinClrLst/>
+    <dgm:txFillClrLst meth="repeat">
+      <a:schemeClr val="lt1"/>
+    </dgm:txFillClrLst>
+    <dgm:txEffectClrLst/>
+  </dgm:styleLbl>
+  <dgm:styleLbl name="bgImgPlace1">
+    <dgm:fillClrLst meth="repeat">
+      <a:schemeClr val="accent1">
+        <a:tint val="50000"/>
+      </a:schemeClr>
+    </dgm:fillClrLst>
+    <dgm:linClrLst meth="repeat">
+      <a:schemeClr val="lt1"/>
+    </dgm:linClrLst>
+    <dgm:effectClrLst/>
+    <dgm:txLinClrLst/>
+    <dgm:txFillClrLst meth="repeat">
+      <a:schemeClr val="lt1"/>
+    </dgm:txFillClrLst>
+    <dgm:txEffectClrLst/>
+  </dgm:styleLbl>
+  <dgm:styleLbl name="sibTrans2D1">
+    <dgm:fillClrLst meth="repeat">
+      <a:schemeClr val="accent1">
+        <a:tint val="60000"/>
+      </a:schemeClr>
+    </dgm:fillClrLst>
+    <dgm:linClrLst meth="repeat">
+      <a:schemeClr val="accent1">
+        <a:tint val="60000"/>
+      </a:schemeClr>
+    </dgm:linClrLst>
+    <dgm:effectClrLst/>
+    <dgm:txLinClrLst/>
+    <dgm:txFillClrLst/>
+    <dgm:txEffectClrLst/>
+  </dgm:styleLbl>
+  <dgm:styleLbl name="fgSibTrans2D1">
+    <dgm:fillClrLst meth="repeat">
+      <a:schemeClr val="accent1">
+        <a:tint val="60000"/>
+      </a:schemeClr>
+    </dgm:fillClrLst>
+    <dgm:linClrLst meth="repeat">
+      <a:schemeClr val="accent1">
+        <a:tint val="60000"/>
+      </a:schemeClr>
+    </dgm:linClrLst>
+    <dgm:effectClrLst/>
+    <dgm:txLinClrLst/>
+    <dgm:txFillClrLst/>
+    <dgm:txEffectClrLst/>
+  </dgm:styleLbl>
+  <dgm:styleLbl name="bgSibTrans2D1">
+    <dgm:fillClrLst meth="repeat">
+      <a:schemeClr val="accent1">
+        <a:tint val="60000"/>
+      </a:schemeClr>
+    </dgm:fillClrLst>
+    <dgm:linClrLst meth="repeat">
+      <a:schemeClr val="accent1">
+        <a:tint val="60000"/>
+      </a:schemeClr>
+    </dgm:linClrLst>
+    <dgm:effectClrLst/>
+    <dgm:txLinClrLst/>
+    <dgm:txFillClrLst/>
+    <dgm:txEffectClrLst/>
+  </dgm:styleLbl>
+  <dgm:styleLbl name="sibTrans1D1">
+    <dgm:fillClrLst meth="repeat">
+      <a:schemeClr val="accent1"/>
+    </dgm:fillClrLst>
+    <dgm:linClrLst meth="repeat">
+      <a:schemeClr val="accent1"/>
+    </dgm:linClrLst>
+    <dgm:effectClrLst/>
+    <dgm:txLinClrLst/>
+    <dgm:txFillClrLst meth="repeat">
+      <a:schemeClr val="tx1"/>
+    </dgm:txFillClrLst>
+    <dgm:txEffectClrLst/>
+  </dgm:styleLbl>
+  <dgm:styleLbl name="callout">
+    <dgm:fillClrLst meth="repeat">
+      <a:schemeClr val="accent1"/>
+    </dgm:fillClrLst>
+    <dgm:linClrLst meth="repeat">
+      <a:schemeClr val="accent1">
+        <a:tint val="50000"/>
+      </a:schemeClr>
+    </dgm:linClrLst>
+    <dgm:effectClrLst/>
+    <dgm:txLinClrLst/>
+    <dgm:txFillClrLst meth="repeat">
+      <a:schemeClr val="tx1"/>
+    </dgm:txFillClrLst>
+    <dgm:txEffectClrLst/>
+  </dgm:styleLbl>
+  <dgm:styleLbl name="asst0">
+    <dgm:fillClrLst meth="repeat">
+      <a:schemeClr val="accent1"/>
+    </dgm:fillClrLst>
+    <dgm:linClrLst meth="repeat">
+      <a:schemeClr val="lt1"/>
+    </dgm:linClrLst>
+    <dgm:effectClrLst/>
+    <dgm:txLinClrLst/>
+    <dgm:txFillClrLst/>
+    <dgm:txEffectClrLst/>
+  </dgm:styleLbl>
+  <dgm:styleLbl name="asst1">
+    <dgm:fillClrLst meth="repeat">
+      <a:schemeClr val="accent1"/>
+    </dgm:fillClrLst>
+    <dgm:linClrLst meth="repeat">
+      <a:schemeClr val="lt1"/>
+    </dgm:linClrLst>
+    <dgm:effectClrLst/>
+    <dgm:txLinClrLst/>
+    <dgm:txFillClrLst/>
+    <dgm:txEffectClrLst/>
+  </dgm:styleLbl>
+  <dgm:styleLbl name="asst2">
+    <dgm:fillClrLst meth="repeat">
+      <a:schemeClr val="accent1"/>
+    </dgm:fillClrLst>
+    <dgm:linClrLst meth="repeat">
+      <a:schemeClr val="lt1"/>
+    </dgm:linClrLst>
+    <dgm:effectClrLst/>
+    <dgm:txLinClrLst/>
+    <dgm:txFillClrLst/>
+    <dgm:txEffectClrLst/>
+  </dgm:styleLbl>
+  <dgm:styleLbl name="asst3">
+    <dgm:fillClrLst meth="repeat">
+      <a:schemeClr val="accent1"/>
+    </dgm:fillClrLst>
+    <dgm:linClrLst meth="repeat">
+      <a:schemeClr val="lt1"/>
+    </dgm:linClrLst>
+    <dgm:effectClrLst/>
+    <dgm:txLinClrLst/>
+    <dgm:txFillClrLst/>
+    <dgm:txEffectClrLst/>
+  </dgm:styleLbl>
+  <dgm:styleLbl name="asst4">
+    <dgm:fillClrLst meth="repeat">
+      <a:schemeClr val="accent1"/>
+    </dgm:fillClrLst>
+    <dgm:linClrLst meth="repeat">
+      <a:schemeClr val="lt1"/>
+    </dgm:linClrLst>
+    <dgm:effectClrLst/>
+    <dgm:txLinClrLst/>
+    <dgm:txFillClrLst/>
+    <dgm:txEffectClrLst/>
+  </dgm:styleLbl>
+  <dgm:styleLbl name="parChTrans2D1">
+    <dgm:fillClrLst meth="repeat">
+      <a:schemeClr val="accent1">
+        <a:tint val="60000"/>
+      </a:schemeClr>
+    </dgm:fillClrLst>
+    <dgm:linClrLst meth="repeat">
+      <a:schemeClr val="accent1">
+        <a:tint val="60000"/>
+      </a:schemeClr>
+    </dgm:linClrLst>
+    <dgm:effectClrLst/>
+    <dgm:txLinClrLst/>
+    <dgm:txFillClrLst meth="repeat">
+      <a:schemeClr val="lt1"/>
+    </dgm:txFillClrLst>
+    <dgm:txEffectClrLst/>
+  </dgm:styleLbl>
+  <dgm:styleLbl name="parChTrans2D2">
+    <dgm:fillClrLst meth="repeat">
+      <a:schemeClr val="accent1"/>
+    </dgm:fillClrLst>
+    <dgm:linClrLst meth="repeat">
+      <a:schemeClr val="accent1"/>
+    </dgm:linClrLst>
+    <dgm:effectClrLst/>
+    <dgm:txLinClrLst/>
+    <dgm:txFillClrLst meth="repeat">
+      <a:schemeClr val="lt1"/>
+    </dgm:txFillClrLst>
+    <dgm:txEffectClrLst/>
+  </dgm:styleLbl>
+  <dgm:styleLbl name="parChTrans2D3">
+    <dgm:fillClrLst meth="repeat">
+      <a:schemeClr val="accent1"/>
+    </dgm:fillClrLst>
+    <dgm:linClrLst meth="repeat">
+      <a:schemeClr val="accent1"/>
+    </dgm:linClrLst>
+    <dgm:effectClrLst/>
+    <dgm:txLinClrLst/>
+    <dgm:txFillClrLst meth="repeat">
+      <a:schemeClr val="lt1"/>
+    </dgm:txFillClrLst>
+    <dgm:txEffectClrLst/>
+  </dgm:styleLbl>
+  <dgm:styleLbl name="parChTrans2D4">
+    <dgm:fillClrLst meth="repeat">
+      <a:schemeClr val="accent1"/>
+    </dgm:fillClrLst>
+    <dgm:linClrLst meth="repeat">
+      <a:schemeClr val="accent1"/>
+    </dgm:linClrLst>
+    <dgm:effectClrLst/>
+    <dgm:txLinClrLst/>
+    <dgm:txFillClrLst meth="repeat">
+      <a:schemeClr val="lt1"/>
+    </dgm:txFillClrLst>
+    <dgm:txEffectClrLst/>
+  </dgm:styleLbl>
+  <dgm:styleLbl name="parChTrans1D1">
+    <dgm:fillClrLst meth="repeat">
+      <a:schemeClr val="accent1"/>
+    </dgm:fillClrLst>
+    <dgm:linClrLst meth="repeat">
+      <a:schemeClr val="accent1">
+        <a:shade val="60000"/>
+      </a:schemeClr>
+    </dgm:linClrLst>
+    <dgm:effectClrLst/>
+    <dgm:txLinClrLst/>
+    <dgm:txFillClrLst meth="repeat">
+      <a:schemeClr val="tx1"/>
+    </dgm:txFillClrLst>
+    <dgm:txEffectClrLst/>
+  </dgm:styleLbl>
+  <dgm:styleLbl name="parChTrans1D2">
+    <dgm:fillClrLst meth="repeat">
+      <a:schemeClr val="accent1"/>
+    </dgm:fillClrLst>
+    <dgm:linClrLst meth="repeat">
+      <a:schemeClr val="accent1">
+        <a:shade val="60000"/>
+      </a:schemeClr>
+    </dgm:linClrLst>
+    <dgm:effectClrLst/>
+    <dgm:txLinClrLst/>
+    <dgm:txFillClrLst meth="repeat">
+      <a:schemeClr val="tx1"/>
+    </dgm:txFillClrLst>
+    <dgm:txEffectClrLst/>
+  </dgm:styleLbl>
+  <dgm:styleLbl name="parChTrans1D3">
+    <dgm:fillClrLst meth="repeat">
+      <a:schemeClr val="accent1"/>
+    </dgm:fillClrLst>
+    <dgm:linClrLst meth="repeat">
+      <a:schemeClr val="accent1">
+        <a:shade val="80000"/>
+      </a:schemeClr>
+    </dgm:linClrLst>
+    <dgm:effectClrLst/>
+    <dgm:txLinClrLst/>
+    <dgm:txFillClrLst meth="repeat">
+      <a:schemeClr val="tx1"/>
+    </dgm:txFillClrLst>
+    <dgm:txEffectClrLst/>
+  </dgm:styleLbl>
+  <dgm:styleLbl name="parChTrans1D4">
+    <dgm:fillClrLst meth="repeat">
+      <a:schemeClr val="accent1"/>
+    </dgm:fillClrLst>
+    <dgm:linClrLst meth="repeat">
+      <a:schemeClr val="accent1">
+        <a:shade val="80000"/>
+      </a:schemeClr>
+    </dgm:linClrLst>
+    <dgm:effectClrLst/>
+    <dgm:txLinClrLst/>
+    <dgm:txFillClrLst meth="repeat">
+      <a:schemeClr val="tx1"/>
+    </dgm:txFillClrLst>
+    <dgm:txEffectClrLst/>
+  </dgm:styleLbl>
+  <dgm:styleLbl name="fgAcc1">
+    <dgm:fillClrLst meth="repeat">
+      <a:schemeClr val="lt1">
+        <a:alpha val="90000"/>
+      </a:schemeClr>
+    </dgm:fillClrLst>
+    <dgm:linClrLst meth="repeat">
+      <a:schemeClr val="accent1"/>
+    </dgm:linClrLst>
+    <dgm:effectClrLst/>
+    <dgm:txLinClrLst/>
+    <dgm:txFillClrLst meth="repeat">
+      <a:schemeClr val="dk1"/>
+    </dgm:txFillClrLst>
+    <dgm:txEffectClrLst/>
+  </dgm:styleLbl>
+  <dgm:styleLbl name="conFgAcc1">
+    <dgm:fillClrLst meth="repeat">
+      <a:schemeClr val="lt1">
+        <a:alpha val="90000"/>
+      </a:schemeClr>
+    </dgm:fillClrLst>
+    <dgm:linClrLst meth="repeat">
+      <a:schemeClr val="accent1"/>
+    </dgm:linClrLst>
+    <dgm:effectClrLst/>
+    <dgm:txLinClrLst/>
+    <dgm:txFillClrLst meth="repeat">
+      <a:schemeClr val="dk1"/>
+    </dgm:txFillClrLst>
+    <dgm:txEffectClrLst/>
+  </dgm:styleLbl>
+  <dgm:styleLbl name="alignAcc1">
+    <dgm:fillClrLst meth="repeat">
+      <a:schemeClr val="lt1">
+        <a:alpha val="90000"/>
+      </a:schemeClr>
+    </dgm:fillClrLst>
+    <dgm:linClrLst meth="repeat">
+      <a:schemeClr val="accent1"/>
+    </dgm:linClrLst>
+    <dgm:effectClrLst/>
+    <dgm:txLinClrLst/>
+    <dgm:txFillClrLst meth="repeat">
+      <a:schemeClr val="dk1"/>
+    </dgm:txFillClrLst>
+    <dgm:txEffectClrLst/>
+  </dgm:styleLbl>
+  <dgm:styleLbl name="trAlignAcc1">
+    <dgm:fillClrLst meth="repeat">
+      <a:schemeClr val="lt1">
+        <a:alpha val="40000"/>
+      </a:schemeClr>
+    </dgm:fillClrLst>
+    <dgm:linClrLst meth="repeat">
+      <a:schemeClr val="accent1"/>
+    </dgm:linClrLst>
+    <dgm:effectClrLst/>
+    <dgm:txLinClrLst/>
+    <dgm:txFillClrLst meth="repeat">
+      <a:schemeClr val="dk1"/>
+    </dgm:txFillClrLst>
+    <dgm:txEffectClrLst/>
+  </dgm:styleLbl>
+  <dgm:styleLbl name="bgAcc1">
+    <dgm:fillClrLst meth="repeat">
+      <a:schemeClr val="lt1">
+        <a:alpha val="90000"/>
+      </a:schemeClr>
+    </dgm:fillClrLst>
+    <dgm:linClrLst meth="repeat">
+      <a:schemeClr val="accent1"/>
+    </dgm:linClrLst>
+    <dgm:effectClrLst/>
+    <dgm:txLinClrLst/>
+    <dgm:txFillClrLst meth="repeat">
+      <a:schemeClr val="dk1"/>
+    </dgm:txFillClrLst>
+    <dgm:txEffectClrLst/>
+  </dgm:styleLbl>
+  <dgm:styleLbl name="solidFgAcc1">
+    <dgm:fillClrLst meth="repeat">
+      <a:schemeClr val="lt1"/>
+    </dgm:fillClrLst>
+    <dgm:linClrLst meth="repeat">
+      <a:schemeClr val="accent1"/>
+    </dgm:linClrLst>
+    <dgm:effectClrLst/>
+    <dgm:txLinClrLst/>
+    <dgm:txFillClrLst meth="repeat">
+      <a:schemeClr val="dk1"/>
+    </dgm:txFillClrLst>
+    <dgm:txEffectClrLst/>
+  </dgm:styleLbl>
+  <dgm:styleLbl name="solidAlignAcc1">
+    <dgm:fillClrLst meth="repeat">
+      <a:schemeClr val="lt1"/>
+    </dgm:fillClrLst>
+    <dgm:linClrLst meth="repeat">
+      <a:schemeClr val="accent1"/>
+    </dgm:linClrLst>
+    <dgm:effectClrLst/>
+    <dgm:txLinClrLst/>
+    <dgm:txFillClrLst meth="repeat">
+      <a:schemeClr val="dk1"/>
+    </dgm:txFillClrLst>
+    <dgm:txEffectClrLst/>
+  </dgm:styleLbl>
+  <dgm:styleLbl name="solidBgAcc1">
+    <dgm:fillClrLst meth="repeat">
+      <a:schemeClr val="lt1"/>
+    </dgm:fillClrLst>
+    <dgm:linClrLst meth="repeat">
+      <a:schemeClr val="accent1"/>
+    </dgm:linClrLst>
+    <dgm:effectClrLst/>
+    <dgm:txLinClrLst/>
+    <dgm:txFillClrLst meth="repeat">
+      <a:schemeClr val="dk1"/>
+    </dgm:txFillClrLst>
+    <dgm:txEffectClrLst/>
+  </dgm:styleLbl>
+  <dgm:styleLbl name="fgAccFollowNode1">
+    <dgm:fillClrLst meth="repeat">
+      <a:schemeClr val="accent1">
+        <a:alpha val="90000"/>
+        <a:tint val="40000"/>
+      </a:schemeClr>
+    </dgm:fillClrLst>
+    <dgm:linClrLst meth="repeat">
+      <a:schemeClr val="accent1">
+        <a:alpha val="90000"/>
+        <a:tint val="40000"/>
+      </a:schemeClr>
+    </dgm:linClrLst>
+    <dgm:effectClrLst/>
+    <dgm:txLinClrLst/>
+    <dgm:txFillClrLst meth="repeat">
+      <a:schemeClr val="dk1"/>
+    </dgm:txFillClrLst>
+    <dgm:txEffectClrLst/>
+  </dgm:styleLbl>
+  <dgm:styleLbl name="alignAccFollowNode1">
+    <dgm:fillClrLst meth="repeat">
+      <a:schemeClr val="accent1">
+        <a:alpha val="90000"/>
+        <a:tint val="40000"/>
+      </a:schemeClr>
+    </dgm:fillClrLst>
+    <dgm:linClrLst meth="repeat">
+      <a:schemeClr val="accent1">
+        <a:alpha val="90000"/>
+        <a:tint val="40000"/>
+      </a:schemeClr>
+    </dgm:linClrLst>
+    <dgm:effectClrLst/>
+    <dgm:txLinClrLst/>
+    <dgm:txFillClrLst meth="repeat">
+      <a:schemeClr val="dk1"/>
+    </dgm:txFillClrLst>
+    <dgm:txEffectClrLst/>
+  </dgm:styleLbl>
+  <dgm:styleLbl name="bgAccFollowNode1">
+    <dgm:fillClrLst meth="repeat">
+      <a:schemeClr val="accent1">
+        <a:alpha val="90000"/>
+        <a:tint val="40000"/>
+      </a:schemeClr>
+    </dgm:fillClrLst>
+    <dgm:linClrLst meth="repeat">
+      <a:schemeClr val="accent1">
+        <a:alpha val="90000"/>
+        <a:tint val="40000"/>
+      </a:schemeClr>
+    </dgm:linClrLst>
+    <dgm:effectClrLst/>
+    <dgm:txLinClrLst/>
+    <dgm:txFillClrLst meth="repeat">
+      <a:schemeClr val="dk1"/>
+    </dgm:txFillClrLst>
+    <dgm:txEffectClrLst/>
+  </dgm:styleLbl>
+  <dgm:styleLbl name="fgAcc0">
+    <dgm:fillClrLst meth="repeat">
+      <a:schemeClr val="lt1">
+        <a:alpha val="90000"/>
+      </a:schemeClr>
+    </dgm:fillClrLst>
+    <dgm:linClrLst meth="repeat">
+      <a:schemeClr val="accent1"/>
+    </dgm:linClrLst>
+    <dgm:effectClrLst/>
+    <dgm:txLinClrLst/>
+    <dgm:txFillClrLst meth="repeat">
+      <a:schemeClr val="dk1"/>
+    </dgm:txFillClrLst>
+    <dgm:txEffectClrLst/>
+  </dgm:styleLbl>
+  <dgm:styleLbl name="fgAcc2">
+    <dgm:fillClrLst meth="repeat">
+      <a:schemeClr val="lt1">
+        <a:alpha val="90000"/>
+      </a:schemeClr>
+    </dgm:fillClrLst>
+    <dgm:linClrLst meth="repeat">
+      <a:schemeClr val="accent1"/>
+    </dgm:linClrLst>
+    <dgm:effectClrLst/>
+    <dgm:txLinClrLst/>
+    <dgm:txFillClrLst meth="repeat">
+      <a:schemeClr val="dk1"/>
+    </dgm:txFillClrLst>
+    <dgm:txEffectClrLst/>
+  </dgm:styleLbl>
+  <dgm:styleLbl name="fgAcc3">
+    <dgm:fillClrLst meth="repeat">
+      <a:schemeClr val="lt1">
+        <a:alpha val="90000"/>
+      </a:schemeClr>
+    </dgm:fillClrLst>
+    <dgm:linClrLst meth="repeat">
+      <a:schemeClr val="accent1"/>
+    </dgm:linClrLst>
+    <dgm:effectClrLst/>
+    <dgm:txLinClrLst/>
+    <dgm:txFillClrLst meth="repeat">
+      <a:schemeClr val="dk1"/>
+    </dgm:txFillClrLst>
+    <dgm:txEffectClrLst/>
+  </dgm:styleLbl>
+  <dgm:styleLbl name="fgAcc4">
+    <dgm:fillClrLst meth="repeat">
+      <a:schemeClr val="lt1">
+        <a:alpha val="90000"/>
+      </a:schemeClr>
+    </dgm:fillClrLst>
+    <dgm:linClrLst meth="repeat">
+      <a:schemeClr val="accent1"/>
+    </dgm:linClrLst>
+    <dgm:effectClrLst/>
+    <dgm:txLinClrLst/>
+    <dgm:txFillClrLst meth="repeat">
+      <a:schemeClr val="dk1"/>
+    </dgm:txFillClrLst>
+    <dgm:txEffectClrLst/>
+  </dgm:styleLbl>
+  <dgm:styleLbl name="bgShp">
+    <dgm:fillClrLst meth="repeat">
+      <a:schemeClr val="accent1">
+        <a:tint val="40000"/>
+      </a:schemeClr>
+    </dgm:fillClrLst>
+    <dgm:linClrLst meth="repeat">
+      <a:schemeClr val="accent1"/>
+    </dgm:linClrLst>
+    <dgm:effectClrLst/>
+    <dgm:txLinClrLst/>
+    <dgm:txFillClrLst meth="repeat">
+      <a:schemeClr val="dk1"/>
+    </dgm:txFillClrLst>
+    <dgm:txEffectClrLst/>
+  </dgm:styleLbl>
+  <dgm:styleLbl name="dkBgShp">
+    <dgm:fillClrLst meth="repeat">
+      <a:schemeClr val="accent1">
+        <a:shade val="80000"/>
+      </a:schemeClr>
+    </dgm:fillClrLst>
+    <dgm:linClrLst meth="repeat">
+      <a:schemeClr val="accent1"/>
+    </dgm:linClrLst>
+    <dgm:effectClrLst/>
+    <dgm:txLinClrLst/>
+    <dgm:txFillClrLst meth="repeat">
+      <a:schemeClr val="lt1"/>
+    </dgm:txFillClrLst>
+    <dgm:txEffectClrLst/>
+  </dgm:styleLbl>
+  <dgm:styleLbl name="trBgShp">
+    <dgm:fillClrLst meth="repeat">
+      <a:schemeClr val="accent1">
+        <a:tint val="50000"/>
+        <a:alpha val="40000"/>
+      </a:schemeClr>
+    </dgm:fillClrLst>
+    <dgm:linClrLst meth="repeat">
+      <a:schemeClr val="accent1"/>
+    </dgm:linClrLst>
+    <dgm:effectClrLst/>
+    <dgm:txLinClrLst/>
+    <dgm:txFillClrLst meth="repeat">
+      <a:schemeClr val="lt1"/>
+    </dgm:txFillClrLst>
+    <dgm:txEffectClrLst/>
+  </dgm:styleLbl>
+  <dgm:styleLbl name="fgShp">
+    <dgm:fillClrLst meth="repeat">
+      <a:schemeClr val="accent1">
+        <a:tint val="60000"/>
+      </a:schemeClr>
+    </dgm:fillClrLst>
+    <dgm:linClrLst meth="repeat">
+      <a:schemeClr val="lt1"/>
+    </dgm:linClrLst>
+    <dgm:effectClrLst/>
+    <dgm:txLinClrLst/>
+    <dgm:txFillClrLst meth="repeat">
+      <a:schemeClr val="dk1"/>
+    </dgm:txFillClrLst>
+    <dgm:txEffectClrLst/>
+  </dgm:styleLbl>
+  <dgm:styleLbl name="revTx">
+    <dgm:fillClrLst meth="repeat">
+      <a:schemeClr val="lt1">
+        <a:alpha val="0"/>
+      </a:schemeClr>
+    </dgm:fillClrLst>
+    <dgm:linClrLst meth="repeat">
+      <a:schemeClr val="dk1">
+        <a:alpha val="0"/>
+      </a:schemeClr>
+    </dgm:linClrLst>
+    <dgm:effectClrLst/>
+    <dgm:txLinClrLst/>
+    <dgm:txFillClrLst meth="repeat">
+      <a:schemeClr val="tx1"/>
+    </dgm:txFillClrLst>
+    <dgm:txEffectClrLst/>
+  </dgm:styleLbl>
+</dgm:colorsDef>
+</file>
+
 <file path=ppt/diagrams/data1.xml><?xml version="1.0" encoding="utf-8"?>
 <dgm:dataModel xmlns:dgm="http://schemas.openxmlformats.org/drawingml/2006/diagram" xmlns:a="http://schemas.openxmlformats.org/drawingml/2006/main">
   <dgm:ptLst>
@@ -1138,7 +1886,7 @@
           </a:pPr>
           <a:r>
             <a:rPr lang="en-US" dirty="0"/>
-            <a:t>Create Azure DevOps Repos &amp; Pipelines</a:t>
+            <a:t>Azure DevOps Pipelines to ACR</a:t>
           </a:r>
         </a:p>
       </dgm:t>
@@ -1178,10 +1926,17 @@
             </a:lnSpc>
           </a:pPr>
           <a:r>
-            <a:rPr lang="en-US"/>
-            <a:t>Walk-through and Edit Dockerfile</a:t>
+            <a:rPr lang="en-US" dirty="0"/>
+            <a:t>Manual </a:t>
           </a:r>
-          <a:endParaRPr lang="en-US" dirty="0"/>
+          <a:r>
+            <a:rPr lang="en-US" dirty="0" err="1"/>
+            <a:t>Dockerfile</a:t>
+          </a:r>
+          <a:r>
+            <a:rPr lang="en-US" dirty="0"/>
+            <a:t> push to ACR</a:t>
+          </a:r>
         </a:p>
       </dgm:t>
     </dgm:pt>
@@ -1396,6 +2151,344 @@
 </dgm:dataModel>
 </file>
 
+<file path=ppt/diagrams/data2.xml><?xml version="1.0" encoding="utf-8"?>
+<dgm:dataModel xmlns:dgm="http://schemas.openxmlformats.org/drawingml/2006/diagram" xmlns:a="http://schemas.openxmlformats.org/drawingml/2006/main">
+  <dgm:ptLst>
+    <dgm:pt modelId="{4FE1682E-D7EA-4A4E-B0D1-15C92B295831}" type="doc">
+      <dgm:prSet loTypeId="urn:microsoft.com/office/officeart/2005/8/layout/vList2" loCatId="list" qsTypeId="urn:microsoft.com/office/officeart/2005/8/quickstyle/simple5" qsCatId="simple" csTypeId="urn:microsoft.com/office/officeart/2005/8/colors/accent1_2" csCatId="accent1" phldr="1"/>
+      <dgm:spPr/>
+      <dgm:t>
+        <a:bodyPr/>
+        <a:lstStyle/>
+        <a:p>
+          <a:endParaRPr lang="en-US"/>
+        </a:p>
+      </dgm:t>
+    </dgm:pt>
+    <dgm:pt modelId="{DF662019-FE6A-452A-96FB-45DE46F17A47}">
+      <dgm:prSet/>
+      <dgm:spPr/>
+      <dgm:t>
+        <a:bodyPr/>
+        <a:lstStyle/>
+        <a:p>
+          <a:pPr>
+            <a:lnSpc>
+              <a:spcPct val="100000"/>
+            </a:lnSpc>
+          </a:pPr>
+          <a:r>
+            <a:rPr lang="en-US" dirty="0"/>
+            <a:t>Intro to Base Code and Cloud Shell</a:t>
+          </a:r>
+        </a:p>
+      </dgm:t>
+    </dgm:pt>
+    <dgm:pt modelId="{F0C54EE0-D348-4D89-807F-FB0836B387AD}" type="parTrans" cxnId="{EB293073-B963-423F-937A-7774151CB0BD}">
+      <dgm:prSet/>
+      <dgm:spPr/>
+      <dgm:t>
+        <a:bodyPr/>
+        <a:lstStyle/>
+        <a:p>
+          <a:endParaRPr lang="en-US"/>
+        </a:p>
+      </dgm:t>
+    </dgm:pt>
+    <dgm:pt modelId="{8BA91407-F37A-450F-950E-360DECFD03D5}" type="sibTrans" cxnId="{EB293073-B963-423F-937A-7774151CB0BD}">
+      <dgm:prSet/>
+      <dgm:spPr/>
+      <dgm:t>
+        <a:bodyPr/>
+        <a:lstStyle/>
+        <a:p>
+          <a:endParaRPr lang="en-US"/>
+        </a:p>
+      </dgm:t>
+    </dgm:pt>
+    <dgm:pt modelId="{5225358A-8969-4B8C-908F-B492F16ECA68}">
+      <dgm:prSet/>
+      <dgm:spPr/>
+      <dgm:t>
+        <a:bodyPr/>
+        <a:lstStyle/>
+        <a:p>
+          <a:pPr>
+            <a:lnSpc>
+              <a:spcPct val="100000"/>
+            </a:lnSpc>
+          </a:pPr>
+          <a:r>
+            <a:rPr lang="en-US" dirty="0"/>
+            <a:t>Azure DevOps Pipelines to ACR</a:t>
+          </a:r>
+        </a:p>
+      </dgm:t>
+    </dgm:pt>
+    <dgm:pt modelId="{E4BF7830-148B-4D5D-AE4C-C45E82B1C9C9}" type="parTrans" cxnId="{DA128EBE-B26F-417D-8120-E9C84D1D7393}">
+      <dgm:prSet/>
+      <dgm:spPr/>
+      <dgm:t>
+        <a:bodyPr/>
+        <a:lstStyle/>
+        <a:p>
+          <a:endParaRPr lang="en-US"/>
+        </a:p>
+      </dgm:t>
+    </dgm:pt>
+    <dgm:pt modelId="{B4D1036E-E8A3-43E2-891A-EAD14101688F}" type="sibTrans" cxnId="{DA128EBE-B26F-417D-8120-E9C84D1D7393}">
+      <dgm:prSet/>
+      <dgm:spPr/>
+      <dgm:t>
+        <a:bodyPr/>
+        <a:lstStyle/>
+        <a:p>
+          <a:endParaRPr lang="en-US"/>
+        </a:p>
+      </dgm:t>
+    </dgm:pt>
+    <dgm:pt modelId="{DB096343-5698-4DB8-86AC-8948D245CF3F}">
+      <dgm:prSet/>
+      <dgm:spPr>
+        <a:solidFill>
+          <a:schemeClr val="tx1"/>
+        </a:solidFill>
+      </dgm:spPr>
+      <dgm:t>
+        <a:bodyPr/>
+        <a:lstStyle/>
+        <a:p>
+          <a:pPr>
+            <a:lnSpc>
+              <a:spcPct val="100000"/>
+            </a:lnSpc>
+          </a:pPr>
+          <a:r>
+            <a:rPr lang="en-US" dirty="0"/>
+            <a:t>Manual </a:t>
+          </a:r>
+          <a:r>
+            <a:rPr lang="en-US" dirty="0" err="1"/>
+            <a:t>Dockerfile</a:t>
+          </a:r>
+          <a:r>
+            <a:rPr lang="en-US" dirty="0"/>
+            <a:t> push to ACR</a:t>
+          </a:r>
+        </a:p>
+      </dgm:t>
+    </dgm:pt>
+    <dgm:pt modelId="{6CD5B612-05C6-43F8-857E-6142331B0667}" type="parTrans" cxnId="{600ACC12-3879-4A5B-A430-00AC080F9DA0}">
+      <dgm:prSet/>
+      <dgm:spPr/>
+      <dgm:t>
+        <a:bodyPr/>
+        <a:lstStyle/>
+        <a:p>
+          <a:endParaRPr lang="en-US"/>
+        </a:p>
+      </dgm:t>
+    </dgm:pt>
+    <dgm:pt modelId="{78D42132-762A-42FF-8FD9-B2851661877F}" type="sibTrans" cxnId="{600ACC12-3879-4A5B-A430-00AC080F9DA0}">
+      <dgm:prSet/>
+      <dgm:spPr/>
+      <dgm:t>
+        <a:bodyPr/>
+        <a:lstStyle/>
+        <a:p>
+          <a:endParaRPr lang="en-US"/>
+        </a:p>
+      </dgm:t>
+    </dgm:pt>
+    <dgm:pt modelId="{A35DF7A4-DD60-48DA-8C98-FDA64682F117}">
+      <dgm:prSet/>
+      <dgm:spPr>
+        <a:solidFill>
+          <a:schemeClr val="accent1"/>
+        </a:solidFill>
+      </dgm:spPr>
+      <dgm:t>
+        <a:bodyPr/>
+        <a:lstStyle/>
+        <a:p>
+          <a:pPr>
+            <a:lnSpc>
+              <a:spcPct val="100000"/>
+            </a:lnSpc>
+          </a:pPr>
+          <a:r>
+            <a:rPr lang="en-US" dirty="0"/>
+            <a:t>Intro to Azure Container Registry</a:t>
+          </a:r>
+        </a:p>
+      </dgm:t>
+    </dgm:pt>
+    <dgm:pt modelId="{79308A43-E096-4A32-BA6E-CA5FADC28D4B}" type="parTrans" cxnId="{8CD51E26-99F2-4EB0-9847-1AC081B939E5}">
+      <dgm:prSet/>
+      <dgm:spPr/>
+      <dgm:t>
+        <a:bodyPr/>
+        <a:lstStyle/>
+        <a:p>
+          <a:endParaRPr lang="en-US"/>
+        </a:p>
+      </dgm:t>
+    </dgm:pt>
+    <dgm:pt modelId="{E22905D2-92B5-4980-8C6F-9CEB09C59276}" type="sibTrans" cxnId="{8CD51E26-99F2-4EB0-9847-1AC081B939E5}">
+      <dgm:prSet/>
+      <dgm:spPr/>
+      <dgm:t>
+        <a:bodyPr/>
+        <a:lstStyle/>
+        <a:p>
+          <a:endParaRPr lang="en-US"/>
+        </a:p>
+      </dgm:t>
+    </dgm:pt>
+    <dgm:pt modelId="{580DC0EA-B1E6-47BE-A70B-1847FDEA6C30}">
+      <dgm:prSet/>
+      <dgm:spPr/>
+      <dgm:t>
+        <a:bodyPr/>
+        <a:lstStyle/>
+        <a:p>
+          <a:pPr>
+            <a:lnSpc>
+              <a:spcPct val="100000"/>
+            </a:lnSpc>
+          </a:pPr>
+          <a:r>
+            <a:rPr lang="en-US" dirty="0"/>
+            <a:t>GitHub Actions to ACR</a:t>
+          </a:r>
+        </a:p>
+      </dgm:t>
+    </dgm:pt>
+    <dgm:pt modelId="{70550699-87E4-4196-92F0-4BDCBB40C111}" type="parTrans" cxnId="{36BCA0DC-C7D5-4A84-8624-3C7414568000}">
+      <dgm:prSet/>
+      <dgm:spPr/>
+      <dgm:t>
+        <a:bodyPr/>
+        <a:lstStyle/>
+        <a:p>
+          <a:endParaRPr lang="en-US"/>
+        </a:p>
+      </dgm:t>
+    </dgm:pt>
+    <dgm:pt modelId="{110F5863-2B8F-4A9D-AC79-0B8403DD1DA4}" type="sibTrans" cxnId="{36BCA0DC-C7D5-4A84-8624-3C7414568000}">
+      <dgm:prSet/>
+      <dgm:spPr/>
+      <dgm:t>
+        <a:bodyPr/>
+        <a:lstStyle/>
+        <a:p>
+          <a:endParaRPr lang="en-US"/>
+        </a:p>
+      </dgm:t>
+    </dgm:pt>
+    <dgm:pt modelId="{7ACBFA73-72BF-4523-A650-99A025BEC899}" type="pres">
+      <dgm:prSet presAssocID="{4FE1682E-D7EA-4A4E-B0D1-15C92B295831}" presName="linear" presStyleCnt="0">
+        <dgm:presLayoutVars>
+          <dgm:animLvl val="lvl"/>
+          <dgm:resizeHandles val="exact"/>
+        </dgm:presLayoutVars>
+      </dgm:prSet>
+      <dgm:spPr/>
+    </dgm:pt>
+    <dgm:pt modelId="{53C587FC-75AD-4E49-B3E1-76A817872507}" type="pres">
+      <dgm:prSet presAssocID="{DF662019-FE6A-452A-96FB-45DE46F17A47}" presName="parentText" presStyleLbl="node1" presStyleIdx="0" presStyleCnt="5">
+        <dgm:presLayoutVars>
+          <dgm:chMax val="0"/>
+          <dgm:bulletEnabled val="1"/>
+        </dgm:presLayoutVars>
+      </dgm:prSet>
+      <dgm:spPr/>
+    </dgm:pt>
+    <dgm:pt modelId="{BDF4DE21-F4CF-4F99-8976-3DC8E171CC81}" type="pres">
+      <dgm:prSet presAssocID="{8BA91407-F37A-450F-950E-360DECFD03D5}" presName="spacer" presStyleCnt="0"/>
+      <dgm:spPr/>
+    </dgm:pt>
+    <dgm:pt modelId="{2F656F61-40C1-4F53-AD63-FF90304BDF6A}" type="pres">
+      <dgm:prSet presAssocID="{A35DF7A4-DD60-48DA-8C98-FDA64682F117}" presName="parentText" presStyleLbl="node1" presStyleIdx="1" presStyleCnt="5">
+        <dgm:presLayoutVars>
+          <dgm:chMax val="0"/>
+          <dgm:bulletEnabled val="1"/>
+        </dgm:presLayoutVars>
+      </dgm:prSet>
+      <dgm:spPr/>
+    </dgm:pt>
+    <dgm:pt modelId="{70792660-7EBB-4BC3-AACC-124B83FEC50F}" type="pres">
+      <dgm:prSet presAssocID="{E22905D2-92B5-4980-8C6F-9CEB09C59276}" presName="spacer" presStyleCnt="0"/>
+      <dgm:spPr/>
+    </dgm:pt>
+    <dgm:pt modelId="{F976A314-0A17-4EF0-ACF2-5A2BB5B8096D}" type="pres">
+      <dgm:prSet presAssocID="{DB096343-5698-4DB8-86AC-8948D245CF3F}" presName="parentText" presStyleLbl="node1" presStyleIdx="2" presStyleCnt="5">
+        <dgm:presLayoutVars>
+          <dgm:chMax val="0"/>
+          <dgm:bulletEnabled val="1"/>
+        </dgm:presLayoutVars>
+      </dgm:prSet>
+      <dgm:spPr/>
+    </dgm:pt>
+    <dgm:pt modelId="{401CD748-B3CB-4C57-AC44-D4C5C8A09382}" type="pres">
+      <dgm:prSet presAssocID="{78D42132-762A-42FF-8FD9-B2851661877F}" presName="spacer" presStyleCnt="0"/>
+      <dgm:spPr/>
+    </dgm:pt>
+    <dgm:pt modelId="{00610059-D033-4C13-868E-00CCEF6BCCC6}" type="pres">
+      <dgm:prSet presAssocID="{5225358A-8969-4B8C-908F-B492F16ECA68}" presName="parentText" presStyleLbl="node1" presStyleIdx="3" presStyleCnt="5">
+        <dgm:presLayoutVars>
+          <dgm:chMax val="0"/>
+          <dgm:bulletEnabled val="1"/>
+        </dgm:presLayoutVars>
+      </dgm:prSet>
+      <dgm:spPr/>
+    </dgm:pt>
+    <dgm:pt modelId="{520A3FAB-400F-44BD-9CAB-8474CE1052F0}" type="pres">
+      <dgm:prSet presAssocID="{B4D1036E-E8A3-43E2-891A-EAD14101688F}" presName="spacer" presStyleCnt="0"/>
+      <dgm:spPr/>
+    </dgm:pt>
+    <dgm:pt modelId="{5F5CE2CC-45A2-4A91-B8D3-2D26F20BD526}" type="pres">
+      <dgm:prSet presAssocID="{580DC0EA-B1E6-47BE-A70B-1847FDEA6C30}" presName="parentText" presStyleLbl="node1" presStyleIdx="4" presStyleCnt="5">
+        <dgm:presLayoutVars>
+          <dgm:chMax val="0"/>
+          <dgm:bulletEnabled val="1"/>
+        </dgm:presLayoutVars>
+      </dgm:prSet>
+      <dgm:spPr/>
+    </dgm:pt>
+  </dgm:ptLst>
+  <dgm:cxnLst>
+    <dgm:cxn modelId="{600ACC12-3879-4A5B-A430-00AC080F9DA0}" srcId="{4FE1682E-D7EA-4A4E-B0D1-15C92B295831}" destId="{DB096343-5698-4DB8-86AC-8948D245CF3F}" srcOrd="2" destOrd="0" parTransId="{6CD5B612-05C6-43F8-857E-6142331B0667}" sibTransId="{78D42132-762A-42FF-8FD9-B2851661877F}"/>
+    <dgm:cxn modelId="{5C608520-7880-4E19-BEE1-6EB727DE328E}" type="presOf" srcId="{580DC0EA-B1E6-47BE-A70B-1847FDEA6C30}" destId="{5F5CE2CC-45A2-4A91-B8D3-2D26F20BD526}" srcOrd="0" destOrd="0" presId="urn:microsoft.com/office/officeart/2005/8/layout/vList2"/>
+    <dgm:cxn modelId="{8CD51E26-99F2-4EB0-9847-1AC081B939E5}" srcId="{4FE1682E-D7EA-4A4E-B0D1-15C92B295831}" destId="{A35DF7A4-DD60-48DA-8C98-FDA64682F117}" srcOrd="1" destOrd="0" parTransId="{79308A43-E096-4A32-BA6E-CA5FADC28D4B}" sibTransId="{E22905D2-92B5-4980-8C6F-9CEB09C59276}"/>
+    <dgm:cxn modelId="{23BE4C60-551B-4FC2-9ACB-99BBCDD74B62}" type="presOf" srcId="{5225358A-8969-4B8C-908F-B492F16ECA68}" destId="{00610059-D033-4C13-868E-00CCEF6BCCC6}" srcOrd="0" destOrd="0" presId="urn:microsoft.com/office/officeart/2005/8/layout/vList2"/>
+    <dgm:cxn modelId="{EB293073-B963-423F-937A-7774151CB0BD}" srcId="{4FE1682E-D7EA-4A4E-B0D1-15C92B295831}" destId="{DF662019-FE6A-452A-96FB-45DE46F17A47}" srcOrd="0" destOrd="0" parTransId="{F0C54EE0-D348-4D89-807F-FB0836B387AD}" sibTransId="{8BA91407-F37A-450F-950E-360DECFD03D5}"/>
+    <dgm:cxn modelId="{C6CA288A-F2FB-477E-A273-609D9EAB1E48}" type="presOf" srcId="{DB096343-5698-4DB8-86AC-8948D245CF3F}" destId="{F976A314-0A17-4EF0-ACF2-5A2BB5B8096D}" srcOrd="0" destOrd="0" presId="urn:microsoft.com/office/officeart/2005/8/layout/vList2"/>
+    <dgm:cxn modelId="{EE084299-B965-4570-B51E-CAB27E0BB31E}" type="presOf" srcId="{A35DF7A4-DD60-48DA-8C98-FDA64682F117}" destId="{2F656F61-40C1-4F53-AD63-FF90304BDF6A}" srcOrd="0" destOrd="0" presId="urn:microsoft.com/office/officeart/2005/8/layout/vList2"/>
+    <dgm:cxn modelId="{ACB8F0A8-0B1F-4FE9-97BA-0D4B71DE2D02}" type="presOf" srcId="{4FE1682E-D7EA-4A4E-B0D1-15C92B295831}" destId="{7ACBFA73-72BF-4523-A650-99A025BEC899}" srcOrd="0" destOrd="0" presId="urn:microsoft.com/office/officeart/2005/8/layout/vList2"/>
+    <dgm:cxn modelId="{DA128EBE-B26F-417D-8120-E9C84D1D7393}" srcId="{4FE1682E-D7EA-4A4E-B0D1-15C92B295831}" destId="{5225358A-8969-4B8C-908F-B492F16ECA68}" srcOrd="3" destOrd="0" parTransId="{E4BF7830-148B-4D5D-AE4C-C45E82B1C9C9}" sibTransId="{B4D1036E-E8A3-43E2-891A-EAD14101688F}"/>
+    <dgm:cxn modelId="{36BCA0DC-C7D5-4A84-8624-3C7414568000}" srcId="{4FE1682E-D7EA-4A4E-B0D1-15C92B295831}" destId="{580DC0EA-B1E6-47BE-A70B-1847FDEA6C30}" srcOrd="4" destOrd="0" parTransId="{70550699-87E4-4196-92F0-4BDCBB40C111}" sibTransId="{110F5863-2B8F-4A9D-AC79-0B8403DD1DA4}"/>
+    <dgm:cxn modelId="{7ECD26FC-C474-44EC-8003-1694A0638E61}" type="presOf" srcId="{DF662019-FE6A-452A-96FB-45DE46F17A47}" destId="{53C587FC-75AD-4E49-B3E1-76A817872507}" srcOrd="0" destOrd="0" presId="urn:microsoft.com/office/officeart/2005/8/layout/vList2"/>
+    <dgm:cxn modelId="{1168A436-3623-4499-8721-F2952C850730}" type="presParOf" srcId="{7ACBFA73-72BF-4523-A650-99A025BEC899}" destId="{53C587FC-75AD-4E49-B3E1-76A817872507}" srcOrd="0" destOrd="0" presId="urn:microsoft.com/office/officeart/2005/8/layout/vList2"/>
+    <dgm:cxn modelId="{78D75D57-3DB3-4216-9AB3-8904C5F70FF9}" type="presParOf" srcId="{7ACBFA73-72BF-4523-A650-99A025BEC899}" destId="{BDF4DE21-F4CF-4F99-8976-3DC8E171CC81}" srcOrd="1" destOrd="0" presId="urn:microsoft.com/office/officeart/2005/8/layout/vList2"/>
+    <dgm:cxn modelId="{1C9B1AC9-E11C-4D7F-AF16-DE2502F53FD0}" type="presParOf" srcId="{7ACBFA73-72BF-4523-A650-99A025BEC899}" destId="{2F656F61-40C1-4F53-AD63-FF90304BDF6A}" srcOrd="2" destOrd="0" presId="urn:microsoft.com/office/officeart/2005/8/layout/vList2"/>
+    <dgm:cxn modelId="{13F0813C-268F-4B08-81D8-0450C9DA52DA}" type="presParOf" srcId="{7ACBFA73-72BF-4523-A650-99A025BEC899}" destId="{70792660-7EBB-4BC3-AACC-124B83FEC50F}" srcOrd="3" destOrd="0" presId="urn:microsoft.com/office/officeart/2005/8/layout/vList2"/>
+    <dgm:cxn modelId="{385ED317-54A8-4D31-A3EE-7C97D747A970}" type="presParOf" srcId="{7ACBFA73-72BF-4523-A650-99A025BEC899}" destId="{F976A314-0A17-4EF0-ACF2-5A2BB5B8096D}" srcOrd="4" destOrd="0" presId="urn:microsoft.com/office/officeart/2005/8/layout/vList2"/>
+    <dgm:cxn modelId="{7AEDE3DF-EC6E-42E8-991F-74BA3EC75975}" type="presParOf" srcId="{7ACBFA73-72BF-4523-A650-99A025BEC899}" destId="{401CD748-B3CB-4C57-AC44-D4C5C8A09382}" srcOrd="5" destOrd="0" presId="urn:microsoft.com/office/officeart/2005/8/layout/vList2"/>
+    <dgm:cxn modelId="{8683AB01-3180-4F59-AAAB-A8B7B8D3926B}" type="presParOf" srcId="{7ACBFA73-72BF-4523-A650-99A025BEC899}" destId="{00610059-D033-4C13-868E-00CCEF6BCCC6}" srcOrd="6" destOrd="0" presId="urn:microsoft.com/office/officeart/2005/8/layout/vList2"/>
+    <dgm:cxn modelId="{164AB3FE-5EFA-4E9B-8282-99E4477A1C0B}" type="presParOf" srcId="{7ACBFA73-72BF-4523-A650-99A025BEC899}" destId="{520A3FAB-400F-44BD-9CAB-8474CE1052F0}" srcOrd="7" destOrd="0" presId="urn:microsoft.com/office/officeart/2005/8/layout/vList2"/>
+    <dgm:cxn modelId="{6052AD30-EC31-43A3-BFEF-CC71EA11BF46}" type="presParOf" srcId="{7ACBFA73-72BF-4523-A650-99A025BEC899}" destId="{5F5CE2CC-45A2-4A91-B8D3-2D26F20BD526}" srcOrd="8" destOrd="0" presId="urn:microsoft.com/office/officeart/2005/8/layout/vList2"/>
+  </dgm:cxnLst>
+  <dgm:bg/>
+  <dgm:whole/>
+  <dgm:extLst>
+    <a:ext uri="http://schemas.microsoft.com/office/drawing/2008/diagram">
+      <dsp:dataModelExt xmlns:dsp="http://schemas.microsoft.com/office/drawing/2008/diagram" relId="rId6" minVer="http://schemas.openxmlformats.org/drawingml/2006/diagram"/>
+    </a:ext>
+  </dgm:extLst>
+</dgm:dataModel>
+</file>
+
 <file path=ppt/diagrams/drawing1.xml><?xml version="1.0" encoding="utf-8"?>
 <dsp:drawing xmlns:dgm="http://schemas.openxmlformats.org/drawingml/2006/diagram" xmlns:dsp="http://schemas.microsoft.com/office/drawing/2008/diagram" xmlns:a="http://schemas.openxmlformats.org/drawingml/2006/main">
   <dsp:spTree>
@@ -1411,8 +2504,8 @@
       </dsp:nvSpPr>
       <dsp:spPr>
         <a:xfrm>
-          <a:off x="0" y="900568"/>
-          <a:ext cx="5928344" cy="638820"/>
+          <a:off x="0" y="631828"/>
+          <a:ext cx="5928344" cy="737099"/>
         </a:xfrm>
         <a:prstGeom prst="roundRect">
           <a:avLst/>
@@ -1503,12 +2596,12 @@
         </a:fontRef>
       </dsp:style>
       <dsp:txBody>
-        <a:bodyPr spcFirstLastPara="0" vert="horz" wrap="square" lIns="99060" tIns="99060" rIns="99060" bIns="99060" numCol="1" spcCol="1270" anchor="ctr" anchorCtr="0">
+        <a:bodyPr spcFirstLastPara="0" vert="horz" wrap="square" lIns="114300" tIns="114300" rIns="114300" bIns="114300" numCol="1" spcCol="1270" anchor="ctr" anchorCtr="0">
           <a:noAutofit/>
         </a:bodyPr>
         <a:lstStyle/>
         <a:p>
-          <a:pPr marL="0" lvl="0" indent="0" algn="l" defTabSz="1155700">
+          <a:pPr marL="0" lvl="0" indent="0" algn="l" defTabSz="1333500">
             <a:lnSpc>
               <a:spcPct val="100000"/>
             </a:lnSpc>
@@ -1521,14 +2614,14 @@
             <a:buNone/>
           </a:pPr>
           <a:r>
-            <a:rPr lang="en-US" sz="2600" kern="1200" dirty="0"/>
+            <a:rPr lang="en-US" sz="3000" kern="1200" dirty="0"/>
             <a:t>Intro to Base Code and Cloud Shell</a:t>
           </a:r>
         </a:p>
       </dsp:txBody>
       <dsp:txXfrm>
-        <a:off x="31185" y="931753"/>
-        <a:ext cx="5865974" cy="576450"/>
+        <a:off x="35982" y="667810"/>
+        <a:ext cx="5856380" cy="665135"/>
       </dsp:txXfrm>
     </dsp:sp>
     <dsp:sp modelId="{2F656F61-40C1-4F53-AD63-FF90304BDF6A}">
@@ -1538,8 +2631,8 @@
       </dsp:nvSpPr>
       <dsp:spPr>
         <a:xfrm>
-          <a:off x="0" y="1614268"/>
-          <a:ext cx="5928344" cy="638820"/>
+          <a:off x="0" y="1455328"/>
+          <a:ext cx="5928344" cy="737099"/>
         </a:xfrm>
         <a:prstGeom prst="roundRect">
           <a:avLst/>
@@ -1584,12 +2677,12 @@
         </a:fontRef>
       </dsp:style>
       <dsp:txBody>
-        <a:bodyPr spcFirstLastPara="0" vert="horz" wrap="square" lIns="99060" tIns="99060" rIns="99060" bIns="99060" numCol="1" spcCol="1270" anchor="ctr" anchorCtr="0">
+        <a:bodyPr spcFirstLastPara="0" vert="horz" wrap="square" lIns="114300" tIns="114300" rIns="114300" bIns="114300" numCol="1" spcCol="1270" anchor="ctr" anchorCtr="0">
           <a:noAutofit/>
         </a:bodyPr>
         <a:lstStyle/>
         <a:p>
-          <a:pPr marL="0" lvl="0" indent="0" algn="l" defTabSz="1155700">
+          <a:pPr marL="0" lvl="0" indent="0" algn="l" defTabSz="1333500">
             <a:lnSpc>
               <a:spcPct val="100000"/>
             </a:lnSpc>
@@ -1602,14 +2695,14 @@
             <a:buNone/>
           </a:pPr>
           <a:r>
-            <a:rPr lang="en-US" sz="2600" kern="1200" dirty="0"/>
+            <a:rPr lang="en-US" sz="3000" kern="1200" dirty="0"/>
             <a:t>Intro to Azure Container Registry</a:t>
           </a:r>
         </a:p>
       </dsp:txBody>
       <dsp:txXfrm>
-        <a:off x="31185" y="1645453"/>
-        <a:ext cx="5865974" cy="576450"/>
+        <a:off x="35982" y="1491310"/>
+        <a:ext cx="5856380" cy="665135"/>
       </dsp:txXfrm>
     </dsp:sp>
     <dsp:sp modelId="{F976A314-0A17-4EF0-ACF2-5A2BB5B8096D}">
@@ -1619,8 +2712,8 @@
       </dsp:nvSpPr>
       <dsp:spPr>
         <a:xfrm>
-          <a:off x="0" y="2327968"/>
-          <a:ext cx="5928344" cy="638820"/>
+          <a:off x="0" y="2278828"/>
+          <a:ext cx="5928344" cy="737099"/>
         </a:xfrm>
         <a:prstGeom prst="roundRect">
           <a:avLst/>
@@ -1711,12 +2804,12 @@
         </a:fontRef>
       </dsp:style>
       <dsp:txBody>
-        <a:bodyPr spcFirstLastPara="0" vert="horz" wrap="square" lIns="99060" tIns="99060" rIns="99060" bIns="99060" numCol="1" spcCol="1270" anchor="ctr" anchorCtr="0">
+        <a:bodyPr spcFirstLastPara="0" vert="horz" wrap="square" lIns="114300" tIns="114300" rIns="114300" bIns="114300" numCol="1" spcCol="1270" anchor="ctr" anchorCtr="0">
           <a:noAutofit/>
         </a:bodyPr>
         <a:lstStyle/>
         <a:p>
-          <a:pPr marL="0" lvl="0" indent="0" algn="l" defTabSz="1155700">
+          <a:pPr marL="0" lvl="0" indent="0" algn="l" defTabSz="1333500">
             <a:lnSpc>
               <a:spcPct val="100000"/>
             </a:lnSpc>
@@ -1729,15 +2822,22 @@
             <a:buNone/>
           </a:pPr>
           <a:r>
-            <a:rPr lang="en-US" sz="2600" kern="1200"/>
-            <a:t>Walk-through and Edit Dockerfile</a:t>
+            <a:rPr lang="en-US" sz="3000" kern="1200" dirty="0"/>
+            <a:t>Manual </a:t>
           </a:r>
-          <a:endParaRPr lang="en-US" sz="2600" kern="1200" dirty="0"/>
+          <a:r>
+            <a:rPr lang="en-US" sz="3000" kern="1200" dirty="0" err="1"/>
+            <a:t>Dockerfile</a:t>
+          </a:r>
+          <a:r>
+            <a:rPr lang="en-US" sz="3000" kern="1200" dirty="0"/>
+            <a:t> push to ACR</a:t>
+          </a:r>
         </a:p>
       </dsp:txBody>
       <dsp:txXfrm>
-        <a:off x="31185" y="2359153"/>
-        <a:ext cx="5865974" cy="576450"/>
+        <a:off x="35982" y="2314810"/>
+        <a:ext cx="5856380" cy="665135"/>
       </dsp:txXfrm>
     </dsp:sp>
     <dsp:sp modelId="{00610059-D033-4C13-868E-00CCEF6BCCC6}">
@@ -1747,8 +2847,8 @@
       </dsp:nvSpPr>
       <dsp:spPr>
         <a:xfrm>
-          <a:off x="0" y="3041668"/>
-          <a:ext cx="5928344" cy="638820"/>
+          <a:off x="0" y="3102328"/>
+          <a:ext cx="5928344" cy="737099"/>
         </a:xfrm>
         <a:prstGeom prst="roundRect">
           <a:avLst/>
@@ -1839,12 +2939,12 @@
         </a:fontRef>
       </dsp:style>
       <dsp:txBody>
-        <a:bodyPr spcFirstLastPara="0" vert="horz" wrap="square" lIns="99060" tIns="99060" rIns="99060" bIns="99060" numCol="1" spcCol="1270" anchor="ctr" anchorCtr="0">
+        <a:bodyPr spcFirstLastPara="0" vert="horz" wrap="square" lIns="114300" tIns="114300" rIns="114300" bIns="114300" numCol="1" spcCol="1270" anchor="ctr" anchorCtr="0">
           <a:noAutofit/>
         </a:bodyPr>
         <a:lstStyle/>
         <a:p>
-          <a:pPr marL="0" lvl="0" indent="0" algn="l" defTabSz="1155700">
+          <a:pPr marL="0" lvl="0" indent="0" algn="l" defTabSz="1333500">
             <a:lnSpc>
               <a:spcPct val="100000"/>
             </a:lnSpc>
@@ -1857,14 +2957,14 @@
             <a:buNone/>
           </a:pPr>
           <a:r>
-            <a:rPr lang="en-US" sz="2600" kern="1200" dirty="0"/>
-            <a:t>Create Azure DevOps Repos &amp; Pipelines</a:t>
+            <a:rPr lang="en-US" sz="3000" kern="1200" dirty="0"/>
+            <a:t>Azure DevOps Pipelines to ACR</a:t>
           </a:r>
         </a:p>
       </dsp:txBody>
       <dsp:txXfrm>
-        <a:off x="31185" y="3072853"/>
-        <a:ext cx="5865974" cy="576450"/>
+        <a:off x="35982" y="3138310"/>
+        <a:ext cx="5856380" cy="665135"/>
       </dsp:txXfrm>
     </dsp:sp>
     <dsp:sp modelId="{5F5CE2CC-45A2-4A91-B8D3-2D26F20BD526}">
@@ -1874,8 +2974,8 @@
       </dsp:nvSpPr>
       <dsp:spPr>
         <a:xfrm>
-          <a:off x="0" y="3755368"/>
-          <a:ext cx="5928344" cy="638820"/>
+          <a:off x="0" y="3925828"/>
+          <a:ext cx="5928344" cy="737099"/>
         </a:xfrm>
         <a:prstGeom prst="roundRect">
           <a:avLst/>
@@ -1966,12 +3066,12 @@
         </a:fontRef>
       </dsp:style>
       <dsp:txBody>
-        <a:bodyPr spcFirstLastPara="0" vert="horz" wrap="square" lIns="99060" tIns="99060" rIns="99060" bIns="99060" numCol="1" spcCol="1270" anchor="ctr" anchorCtr="0">
+        <a:bodyPr spcFirstLastPara="0" vert="horz" wrap="square" lIns="114300" tIns="114300" rIns="114300" bIns="114300" numCol="1" spcCol="1270" anchor="ctr" anchorCtr="0">
           <a:noAutofit/>
         </a:bodyPr>
         <a:lstStyle/>
         <a:p>
-          <a:pPr marL="0" lvl="0" indent="0" algn="l" defTabSz="1155700">
+          <a:pPr marL="0" lvl="0" indent="0" algn="l" defTabSz="1333500">
             <a:lnSpc>
               <a:spcPct val="100000"/>
             </a:lnSpc>
@@ -1984,14 +3084,577 @@
             <a:buNone/>
           </a:pPr>
           <a:r>
-            <a:rPr lang="en-US" sz="2600" kern="1200" dirty="0"/>
+            <a:rPr lang="en-US" sz="3000" kern="1200" dirty="0"/>
             <a:t>GitHub Actions to ACR</a:t>
           </a:r>
         </a:p>
       </dsp:txBody>
       <dsp:txXfrm>
-        <a:off x="31185" y="3786553"/>
-        <a:ext cx="5865974" cy="576450"/>
+        <a:off x="35982" y="3961810"/>
+        <a:ext cx="5856380" cy="665135"/>
+      </dsp:txXfrm>
+    </dsp:sp>
+  </dsp:spTree>
+</dsp:drawing>
+</file>
+
+<file path=ppt/diagrams/drawing2.xml><?xml version="1.0" encoding="utf-8"?>
+<dsp:drawing xmlns:dgm="http://schemas.openxmlformats.org/drawingml/2006/diagram" xmlns:dsp="http://schemas.microsoft.com/office/drawing/2008/diagram" xmlns:a="http://schemas.openxmlformats.org/drawingml/2006/main">
+  <dsp:spTree>
+    <dsp:nvGrpSpPr>
+      <dsp:cNvPr id="0" name=""/>
+      <dsp:cNvGrpSpPr/>
+    </dsp:nvGrpSpPr>
+    <dsp:grpSpPr/>
+    <dsp:sp modelId="{53C587FC-75AD-4E49-B3E1-76A817872507}">
+      <dsp:nvSpPr>
+        <dsp:cNvPr id="0" name=""/>
+        <dsp:cNvSpPr/>
+      </dsp:nvSpPr>
+      <dsp:spPr>
+        <a:xfrm>
+          <a:off x="0" y="631828"/>
+          <a:ext cx="5928344" cy="737099"/>
+        </a:xfrm>
+        <a:prstGeom prst="roundRect">
+          <a:avLst/>
+        </a:prstGeom>
+        <a:gradFill rotWithShape="0">
+          <a:gsLst>
+            <a:gs pos="0">
+              <a:schemeClr val="accent1">
+                <a:hueOff val="0"/>
+                <a:satOff val="0"/>
+                <a:lumOff val="0"/>
+                <a:alphaOff val="0"/>
+                <a:shade val="85000"/>
+                <a:satMod val="130000"/>
+              </a:schemeClr>
+            </a:gs>
+            <a:gs pos="34000">
+              <a:schemeClr val="accent1">
+                <a:hueOff val="0"/>
+                <a:satOff val="0"/>
+                <a:lumOff val="0"/>
+                <a:alphaOff val="0"/>
+                <a:shade val="87000"/>
+                <a:satMod val="125000"/>
+              </a:schemeClr>
+            </a:gs>
+            <a:gs pos="70000">
+              <a:schemeClr val="accent1">
+                <a:hueOff val="0"/>
+                <a:satOff val="0"/>
+                <a:lumOff val="0"/>
+                <a:alphaOff val="0"/>
+                <a:tint val="100000"/>
+                <a:shade val="90000"/>
+                <a:satMod val="130000"/>
+              </a:schemeClr>
+            </a:gs>
+            <a:gs pos="100000">
+              <a:schemeClr val="accent1">
+                <a:hueOff val="0"/>
+                <a:satOff val="0"/>
+                <a:lumOff val="0"/>
+                <a:alphaOff val="0"/>
+                <a:tint val="100000"/>
+                <a:shade val="100000"/>
+                <a:satMod val="110000"/>
+              </a:schemeClr>
+            </a:gs>
+          </a:gsLst>
+          <a:path path="circle">
+            <a:fillToRect l="100000" t="100000" r="100000" b="100000"/>
+          </a:path>
+        </a:gradFill>
+        <a:ln>
+          <a:noFill/>
+        </a:ln>
+        <a:effectLst>
+          <a:outerShdw blurRad="44450" dist="25400" dir="2700000" algn="br" rotWithShape="0">
+            <a:srgbClr val="000000">
+              <a:alpha val="60000"/>
+            </a:srgbClr>
+          </a:outerShdw>
+        </a:effectLst>
+        <a:scene3d>
+          <a:camera prst="orthographicFront">
+            <a:rot lat="0" lon="0" rev="0"/>
+          </a:camera>
+          <a:lightRig rig="threePt" dir="t">
+            <a:rot lat="0" lon="0" rev="19800000"/>
+          </a:lightRig>
+        </a:scene3d>
+        <a:sp3d prstMaterial="flat">
+          <a:bevelT w="25400" h="31750"/>
+        </a:sp3d>
+      </dsp:spPr>
+      <dsp:style>
+        <a:lnRef idx="0">
+          <a:scrgbClr r="0" g="0" b="0"/>
+        </a:lnRef>
+        <a:fillRef idx="3">
+          <a:scrgbClr r="0" g="0" b="0"/>
+        </a:fillRef>
+        <a:effectRef idx="3">
+          <a:scrgbClr r="0" g="0" b="0"/>
+        </a:effectRef>
+        <a:fontRef idx="minor">
+          <a:schemeClr val="lt1"/>
+        </a:fontRef>
+      </dsp:style>
+      <dsp:txBody>
+        <a:bodyPr spcFirstLastPara="0" vert="horz" wrap="square" lIns="114300" tIns="114300" rIns="114300" bIns="114300" numCol="1" spcCol="1270" anchor="ctr" anchorCtr="0">
+          <a:noAutofit/>
+        </a:bodyPr>
+        <a:lstStyle/>
+        <a:p>
+          <a:pPr marL="0" lvl="0" indent="0" algn="l" defTabSz="1333500">
+            <a:lnSpc>
+              <a:spcPct val="100000"/>
+            </a:lnSpc>
+            <a:spcBef>
+              <a:spcPct val="0"/>
+            </a:spcBef>
+            <a:spcAft>
+              <a:spcPct val="35000"/>
+            </a:spcAft>
+            <a:buNone/>
+          </a:pPr>
+          <a:r>
+            <a:rPr lang="en-US" sz="3000" kern="1200" dirty="0"/>
+            <a:t>Intro to Base Code and Cloud Shell</a:t>
+          </a:r>
+        </a:p>
+      </dsp:txBody>
+      <dsp:txXfrm>
+        <a:off x="35982" y="667810"/>
+        <a:ext cx="5856380" cy="665135"/>
+      </dsp:txXfrm>
+    </dsp:sp>
+    <dsp:sp modelId="{2F656F61-40C1-4F53-AD63-FF90304BDF6A}">
+      <dsp:nvSpPr>
+        <dsp:cNvPr id="0" name=""/>
+        <dsp:cNvSpPr/>
+      </dsp:nvSpPr>
+      <dsp:spPr>
+        <a:xfrm>
+          <a:off x="0" y="1455328"/>
+          <a:ext cx="5928344" cy="737099"/>
+        </a:xfrm>
+        <a:prstGeom prst="roundRect">
+          <a:avLst/>
+        </a:prstGeom>
+        <a:solidFill>
+          <a:schemeClr val="accent1"/>
+        </a:solidFill>
+        <a:ln>
+          <a:noFill/>
+        </a:ln>
+        <a:effectLst>
+          <a:outerShdw blurRad="44450" dist="25400" dir="2700000" algn="br" rotWithShape="0">
+            <a:srgbClr val="000000">
+              <a:alpha val="60000"/>
+            </a:srgbClr>
+          </a:outerShdw>
+        </a:effectLst>
+        <a:scene3d>
+          <a:camera prst="orthographicFront">
+            <a:rot lat="0" lon="0" rev="0"/>
+          </a:camera>
+          <a:lightRig rig="threePt" dir="t">
+            <a:rot lat="0" lon="0" rev="19800000"/>
+          </a:lightRig>
+        </a:scene3d>
+        <a:sp3d prstMaterial="flat">
+          <a:bevelT w="25400" h="31750"/>
+        </a:sp3d>
+      </dsp:spPr>
+      <dsp:style>
+        <a:lnRef idx="0">
+          <a:scrgbClr r="0" g="0" b="0"/>
+        </a:lnRef>
+        <a:fillRef idx="3">
+          <a:scrgbClr r="0" g="0" b="0"/>
+        </a:fillRef>
+        <a:effectRef idx="3">
+          <a:scrgbClr r="0" g="0" b="0"/>
+        </a:effectRef>
+        <a:fontRef idx="minor">
+          <a:schemeClr val="lt1"/>
+        </a:fontRef>
+      </dsp:style>
+      <dsp:txBody>
+        <a:bodyPr spcFirstLastPara="0" vert="horz" wrap="square" lIns="114300" tIns="114300" rIns="114300" bIns="114300" numCol="1" spcCol="1270" anchor="ctr" anchorCtr="0">
+          <a:noAutofit/>
+        </a:bodyPr>
+        <a:lstStyle/>
+        <a:p>
+          <a:pPr marL="0" lvl="0" indent="0" algn="l" defTabSz="1333500">
+            <a:lnSpc>
+              <a:spcPct val="100000"/>
+            </a:lnSpc>
+            <a:spcBef>
+              <a:spcPct val="0"/>
+            </a:spcBef>
+            <a:spcAft>
+              <a:spcPct val="35000"/>
+            </a:spcAft>
+            <a:buNone/>
+          </a:pPr>
+          <a:r>
+            <a:rPr lang="en-US" sz="3000" kern="1200" dirty="0"/>
+            <a:t>Intro to Azure Container Registry</a:t>
+          </a:r>
+        </a:p>
+      </dsp:txBody>
+      <dsp:txXfrm>
+        <a:off x="35982" y="1491310"/>
+        <a:ext cx="5856380" cy="665135"/>
+      </dsp:txXfrm>
+    </dsp:sp>
+    <dsp:sp modelId="{F976A314-0A17-4EF0-ACF2-5A2BB5B8096D}">
+      <dsp:nvSpPr>
+        <dsp:cNvPr id="0" name=""/>
+        <dsp:cNvSpPr/>
+      </dsp:nvSpPr>
+      <dsp:spPr>
+        <a:xfrm>
+          <a:off x="0" y="2278828"/>
+          <a:ext cx="5928344" cy="737099"/>
+        </a:xfrm>
+        <a:prstGeom prst="roundRect">
+          <a:avLst/>
+        </a:prstGeom>
+        <a:solidFill>
+          <a:schemeClr val="tx1"/>
+        </a:solidFill>
+        <a:ln>
+          <a:noFill/>
+        </a:ln>
+        <a:effectLst>
+          <a:outerShdw blurRad="44450" dist="25400" dir="2700000" algn="br" rotWithShape="0">
+            <a:srgbClr val="000000">
+              <a:alpha val="60000"/>
+            </a:srgbClr>
+          </a:outerShdw>
+        </a:effectLst>
+        <a:scene3d>
+          <a:camera prst="orthographicFront">
+            <a:rot lat="0" lon="0" rev="0"/>
+          </a:camera>
+          <a:lightRig rig="threePt" dir="t">
+            <a:rot lat="0" lon="0" rev="19800000"/>
+          </a:lightRig>
+        </a:scene3d>
+        <a:sp3d prstMaterial="flat">
+          <a:bevelT w="25400" h="31750"/>
+        </a:sp3d>
+      </dsp:spPr>
+      <dsp:style>
+        <a:lnRef idx="0">
+          <a:scrgbClr r="0" g="0" b="0"/>
+        </a:lnRef>
+        <a:fillRef idx="3">
+          <a:scrgbClr r="0" g="0" b="0"/>
+        </a:fillRef>
+        <a:effectRef idx="3">
+          <a:scrgbClr r="0" g="0" b="0"/>
+        </a:effectRef>
+        <a:fontRef idx="minor">
+          <a:schemeClr val="lt1"/>
+        </a:fontRef>
+      </dsp:style>
+      <dsp:txBody>
+        <a:bodyPr spcFirstLastPara="0" vert="horz" wrap="square" lIns="114300" tIns="114300" rIns="114300" bIns="114300" numCol="1" spcCol="1270" anchor="ctr" anchorCtr="0">
+          <a:noAutofit/>
+        </a:bodyPr>
+        <a:lstStyle/>
+        <a:p>
+          <a:pPr marL="0" lvl="0" indent="0" algn="l" defTabSz="1333500">
+            <a:lnSpc>
+              <a:spcPct val="100000"/>
+            </a:lnSpc>
+            <a:spcBef>
+              <a:spcPct val="0"/>
+            </a:spcBef>
+            <a:spcAft>
+              <a:spcPct val="35000"/>
+            </a:spcAft>
+            <a:buNone/>
+          </a:pPr>
+          <a:r>
+            <a:rPr lang="en-US" sz="3000" kern="1200" dirty="0"/>
+            <a:t>Manual </a:t>
+          </a:r>
+          <a:r>
+            <a:rPr lang="en-US" sz="3000" kern="1200" dirty="0" err="1"/>
+            <a:t>Dockerfile</a:t>
+          </a:r>
+          <a:r>
+            <a:rPr lang="en-US" sz="3000" kern="1200" dirty="0"/>
+            <a:t> push to ACR</a:t>
+          </a:r>
+        </a:p>
+      </dsp:txBody>
+      <dsp:txXfrm>
+        <a:off x="35982" y="2314810"/>
+        <a:ext cx="5856380" cy="665135"/>
+      </dsp:txXfrm>
+    </dsp:sp>
+    <dsp:sp modelId="{00610059-D033-4C13-868E-00CCEF6BCCC6}">
+      <dsp:nvSpPr>
+        <dsp:cNvPr id="0" name=""/>
+        <dsp:cNvSpPr/>
+      </dsp:nvSpPr>
+      <dsp:spPr>
+        <a:xfrm>
+          <a:off x="0" y="3102328"/>
+          <a:ext cx="5928344" cy="737099"/>
+        </a:xfrm>
+        <a:prstGeom prst="roundRect">
+          <a:avLst/>
+        </a:prstGeom>
+        <a:gradFill rotWithShape="0">
+          <a:gsLst>
+            <a:gs pos="0">
+              <a:schemeClr val="accent1">
+                <a:hueOff val="0"/>
+                <a:satOff val="0"/>
+                <a:lumOff val="0"/>
+                <a:alphaOff val="0"/>
+                <a:shade val="85000"/>
+                <a:satMod val="130000"/>
+              </a:schemeClr>
+            </a:gs>
+            <a:gs pos="34000">
+              <a:schemeClr val="accent1">
+                <a:hueOff val="0"/>
+                <a:satOff val="0"/>
+                <a:lumOff val="0"/>
+                <a:alphaOff val="0"/>
+                <a:shade val="87000"/>
+                <a:satMod val="125000"/>
+              </a:schemeClr>
+            </a:gs>
+            <a:gs pos="70000">
+              <a:schemeClr val="accent1">
+                <a:hueOff val="0"/>
+                <a:satOff val="0"/>
+                <a:lumOff val="0"/>
+                <a:alphaOff val="0"/>
+                <a:tint val="100000"/>
+                <a:shade val="90000"/>
+                <a:satMod val="130000"/>
+              </a:schemeClr>
+            </a:gs>
+            <a:gs pos="100000">
+              <a:schemeClr val="accent1">
+                <a:hueOff val="0"/>
+                <a:satOff val="0"/>
+                <a:lumOff val="0"/>
+                <a:alphaOff val="0"/>
+                <a:tint val="100000"/>
+                <a:shade val="100000"/>
+                <a:satMod val="110000"/>
+              </a:schemeClr>
+            </a:gs>
+          </a:gsLst>
+          <a:path path="circle">
+            <a:fillToRect l="100000" t="100000" r="100000" b="100000"/>
+          </a:path>
+        </a:gradFill>
+        <a:ln>
+          <a:noFill/>
+        </a:ln>
+        <a:effectLst>
+          <a:outerShdw blurRad="44450" dist="25400" dir="2700000" algn="br" rotWithShape="0">
+            <a:srgbClr val="000000">
+              <a:alpha val="60000"/>
+            </a:srgbClr>
+          </a:outerShdw>
+        </a:effectLst>
+        <a:scene3d>
+          <a:camera prst="orthographicFront">
+            <a:rot lat="0" lon="0" rev="0"/>
+          </a:camera>
+          <a:lightRig rig="threePt" dir="t">
+            <a:rot lat="0" lon="0" rev="19800000"/>
+          </a:lightRig>
+        </a:scene3d>
+        <a:sp3d prstMaterial="flat">
+          <a:bevelT w="25400" h="31750"/>
+        </a:sp3d>
+      </dsp:spPr>
+      <dsp:style>
+        <a:lnRef idx="0">
+          <a:scrgbClr r="0" g="0" b="0"/>
+        </a:lnRef>
+        <a:fillRef idx="3">
+          <a:scrgbClr r="0" g="0" b="0"/>
+        </a:fillRef>
+        <a:effectRef idx="3">
+          <a:scrgbClr r="0" g="0" b="0"/>
+        </a:effectRef>
+        <a:fontRef idx="minor">
+          <a:schemeClr val="lt1"/>
+        </a:fontRef>
+      </dsp:style>
+      <dsp:txBody>
+        <a:bodyPr spcFirstLastPara="0" vert="horz" wrap="square" lIns="114300" tIns="114300" rIns="114300" bIns="114300" numCol="1" spcCol="1270" anchor="ctr" anchorCtr="0">
+          <a:noAutofit/>
+        </a:bodyPr>
+        <a:lstStyle/>
+        <a:p>
+          <a:pPr marL="0" lvl="0" indent="0" algn="l" defTabSz="1333500">
+            <a:lnSpc>
+              <a:spcPct val="100000"/>
+            </a:lnSpc>
+            <a:spcBef>
+              <a:spcPct val="0"/>
+            </a:spcBef>
+            <a:spcAft>
+              <a:spcPct val="35000"/>
+            </a:spcAft>
+            <a:buNone/>
+          </a:pPr>
+          <a:r>
+            <a:rPr lang="en-US" sz="3000" kern="1200" dirty="0"/>
+            <a:t>Azure DevOps Pipelines to ACR</a:t>
+          </a:r>
+        </a:p>
+      </dsp:txBody>
+      <dsp:txXfrm>
+        <a:off x="35982" y="3138310"/>
+        <a:ext cx="5856380" cy="665135"/>
+      </dsp:txXfrm>
+    </dsp:sp>
+    <dsp:sp modelId="{5F5CE2CC-45A2-4A91-B8D3-2D26F20BD526}">
+      <dsp:nvSpPr>
+        <dsp:cNvPr id="0" name=""/>
+        <dsp:cNvSpPr/>
+      </dsp:nvSpPr>
+      <dsp:spPr>
+        <a:xfrm>
+          <a:off x="0" y="3925828"/>
+          <a:ext cx="5928344" cy="737099"/>
+        </a:xfrm>
+        <a:prstGeom prst="roundRect">
+          <a:avLst/>
+        </a:prstGeom>
+        <a:gradFill rotWithShape="0">
+          <a:gsLst>
+            <a:gs pos="0">
+              <a:schemeClr val="accent1">
+                <a:hueOff val="0"/>
+                <a:satOff val="0"/>
+                <a:lumOff val="0"/>
+                <a:alphaOff val="0"/>
+                <a:shade val="85000"/>
+                <a:satMod val="130000"/>
+              </a:schemeClr>
+            </a:gs>
+            <a:gs pos="34000">
+              <a:schemeClr val="accent1">
+                <a:hueOff val="0"/>
+                <a:satOff val="0"/>
+                <a:lumOff val="0"/>
+                <a:alphaOff val="0"/>
+                <a:shade val="87000"/>
+                <a:satMod val="125000"/>
+              </a:schemeClr>
+            </a:gs>
+            <a:gs pos="70000">
+              <a:schemeClr val="accent1">
+                <a:hueOff val="0"/>
+                <a:satOff val="0"/>
+                <a:lumOff val="0"/>
+                <a:alphaOff val="0"/>
+                <a:tint val="100000"/>
+                <a:shade val="90000"/>
+                <a:satMod val="130000"/>
+              </a:schemeClr>
+            </a:gs>
+            <a:gs pos="100000">
+              <a:schemeClr val="accent1">
+                <a:hueOff val="0"/>
+                <a:satOff val="0"/>
+                <a:lumOff val="0"/>
+                <a:alphaOff val="0"/>
+                <a:tint val="100000"/>
+                <a:shade val="100000"/>
+                <a:satMod val="110000"/>
+              </a:schemeClr>
+            </a:gs>
+          </a:gsLst>
+          <a:path path="circle">
+            <a:fillToRect l="100000" t="100000" r="100000" b="100000"/>
+          </a:path>
+        </a:gradFill>
+        <a:ln>
+          <a:noFill/>
+        </a:ln>
+        <a:effectLst>
+          <a:outerShdw blurRad="44450" dist="25400" dir="2700000" algn="br" rotWithShape="0">
+            <a:srgbClr val="000000">
+              <a:alpha val="60000"/>
+            </a:srgbClr>
+          </a:outerShdw>
+        </a:effectLst>
+        <a:scene3d>
+          <a:camera prst="orthographicFront">
+            <a:rot lat="0" lon="0" rev="0"/>
+          </a:camera>
+          <a:lightRig rig="threePt" dir="t">
+            <a:rot lat="0" lon="0" rev="19800000"/>
+          </a:lightRig>
+        </a:scene3d>
+        <a:sp3d prstMaterial="flat">
+          <a:bevelT w="25400" h="31750"/>
+        </a:sp3d>
+      </dsp:spPr>
+      <dsp:style>
+        <a:lnRef idx="0">
+          <a:scrgbClr r="0" g="0" b="0"/>
+        </a:lnRef>
+        <a:fillRef idx="3">
+          <a:scrgbClr r="0" g="0" b="0"/>
+        </a:fillRef>
+        <a:effectRef idx="3">
+          <a:scrgbClr r="0" g="0" b="0"/>
+        </a:effectRef>
+        <a:fontRef idx="minor">
+          <a:schemeClr val="lt1"/>
+        </a:fontRef>
+      </dsp:style>
+      <dsp:txBody>
+        <a:bodyPr spcFirstLastPara="0" vert="horz" wrap="square" lIns="114300" tIns="114300" rIns="114300" bIns="114300" numCol="1" spcCol="1270" anchor="ctr" anchorCtr="0">
+          <a:noAutofit/>
+        </a:bodyPr>
+        <a:lstStyle/>
+        <a:p>
+          <a:pPr marL="0" lvl="0" indent="0" algn="l" defTabSz="1333500">
+            <a:lnSpc>
+              <a:spcPct val="100000"/>
+            </a:lnSpc>
+            <a:spcBef>
+              <a:spcPct val="0"/>
+            </a:spcBef>
+            <a:spcAft>
+              <a:spcPct val="35000"/>
+            </a:spcAft>
+            <a:buNone/>
+          </a:pPr>
+          <a:r>
+            <a:rPr lang="en-US" sz="3000" kern="1200" dirty="0"/>
+            <a:t>GitHub Actions to ACR</a:t>
+          </a:r>
+        </a:p>
+      </dsp:txBody>
+      <dsp:txXfrm>
+        <a:off x="35982" y="3961810"/>
+        <a:ext cx="5856380" cy="665135"/>
       </dsp:txXfrm>
     </dsp:sp>
   </dsp:spTree>
@@ -1999,6 +3662,173 @@
 </file>
 
 <file path=ppt/diagrams/layout1.xml><?xml version="1.0" encoding="utf-8"?>
+<dgm:layoutDef xmlns:dgm="http://schemas.openxmlformats.org/drawingml/2006/diagram" xmlns:a="http://schemas.openxmlformats.org/drawingml/2006/main" uniqueId="urn:microsoft.com/office/officeart/2005/8/layout/vList2">
+  <dgm:title val=""/>
+  <dgm:desc val=""/>
+  <dgm:catLst>
+    <dgm:cat type="list" pri="3000"/>
+    <dgm:cat type="convert" pri="1000"/>
+  </dgm:catLst>
+  <dgm:sampData>
+    <dgm:dataModel>
+      <dgm:ptLst>
+        <dgm:pt modelId="0" type="doc"/>
+        <dgm:pt modelId="1">
+          <dgm:prSet phldr="1"/>
+        </dgm:pt>
+        <dgm:pt modelId="11">
+          <dgm:prSet phldr="1"/>
+        </dgm:pt>
+        <dgm:pt modelId="2">
+          <dgm:prSet phldr="1"/>
+        </dgm:pt>
+        <dgm:pt modelId="21">
+          <dgm:prSet phldr="1"/>
+        </dgm:pt>
+      </dgm:ptLst>
+      <dgm:cxnLst>
+        <dgm:cxn modelId="4" srcId="0" destId="1" srcOrd="0" destOrd="0"/>
+        <dgm:cxn modelId="5" srcId="0" destId="2" srcOrd="1" destOrd="0"/>
+        <dgm:cxn modelId="12" srcId="1" destId="11" srcOrd="0" destOrd="0"/>
+        <dgm:cxn modelId="23" srcId="2" destId="21" srcOrd="0" destOrd="0"/>
+      </dgm:cxnLst>
+      <dgm:bg/>
+      <dgm:whole/>
+    </dgm:dataModel>
+  </dgm:sampData>
+  <dgm:styleData>
+    <dgm:dataModel>
+      <dgm:ptLst>
+        <dgm:pt modelId="0" type="doc"/>
+        <dgm:pt modelId="1"/>
+        <dgm:pt modelId="2"/>
+      </dgm:ptLst>
+      <dgm:cxnLst>
+        <dgm:cxn modelId="3" srcId="0" destId="1" srcOrd="0" destOrd="0"/>
+        <dgm:cxn modelId="4" srcId="0" destId="2" srcOrd="1" destOrd="0"/>
+      </dgm:cxnLst>
+      <dgm:bg/>
+      <dgm:whole/>
+    </dgm:dataModel>
+  </dgm:styleData>
+  <dgm:clrData>
+    <dgm:dataModel>
+      <dgm:ptLst>
+        <dgm:pt modelId="0" type="doc"/>
+        <dgm:pt modelId="1"/>
+        <dgm:pt modelId="2"/>
+        <dgm:pt modelId="3"/>
+        <dgm:pt modelId="4"/>
+      </dgm:ptLst>
+      <dgm:cxnLst>
+        <dgm:cxn modelId="5" srcId="0" destId="1" srcOrd="0" destOrd="0"/>
+        <dgm:cxn modelId="6" srcId="0" destId="2" srcOrd="1" destOrd="0"/>
+        <dgm:cxn modelId="7" srcId="0" destId="3" srcOrd="2" destOrd="0"/>
+        <dgm:cxn modelId="8" srcId="0" destId="4" srcOrd="3" destOrd="0"/>
+      </dgm:cxnLst>
+      <dgm:bg/>
+      <dgm:whole/>
+    </dgm:dataModel>
+  </dgm:clrData>
+  <dgm:layoutNode name="linear">
+    <dgm:varLst>
+      <dgm:animLvl val="lvl"/>
+      <dgm:resizeHandles val="exact"/>
+    </dgm:varLst>
+    <dgm:alg type="lin">
+      <dgm:param type="linDir" val="fromT"/>
+      <dgm:param type="vertAlign" val="mid"/>
+    </dgm:alg>
+    <dgm:shape xmlns:r="http://schemas.openxmlformats.org/officeDocument/2006/relationships" r:blip="">
+      <dgm:adjLst/>
+    </dgm:shape>
+    <dgm:presOf/>
+    <dgm:constrLst>
+      <dgm:constr type="w" for="ch" forName="parentText" refType="w"/>
+      <dgm:constr type="h" for="ch" forName="parentText" refType="primFontSz" refFor="ch" refForName="parentText" fact="0.52"/>
+      <dgm:constr type="w" for="ch" forName="childText" refType="w"/>
+      <dgm:constr type="h" for="ch" forName="childText" refType="primFontSz" refFor="ch" refForName="parentText" fact="0.46"/>
+      <dgm:constr type="h" for="ch" forName="parentText" op="equ"/>
+      <dgm:constr type="primFontSz" for="ch" forName="parentText" op="equ" val="65"/>
+      <dgm:constr type="primFontSz" for="ch" forName="childText" refType="primFontSz" refFor="ch" refForName="parentText" op="equ"/>
+      <dgm:constr type="h" for="ch" forName="spacer" refType="primFontSz" refFor="ch" refForName="parentText" fact="0.08"/>
+    </dgm:constrLst>
+    <dgm:ruleLst>
+      <dgm:rule type="primFontSz" for="ch" forName="parentText" val="5" fact="NaN" max="NaN"/>
+    </dgm:ruleLst>
+    <dgm:forEach name="Name0" axis="ch" ptType="node">
+      <dgm:layoutNode name="parentText" styleLbl="node1">
+        <dgm:varLst>
+          <dgm:chMax val="0"/>
+          <dgm:bulletEnabled val="1"/>
+        </dgm:varLst>
+        <dgm:alg type="tx">
+          <dgm:param type="parTxLTRAlign" val="l"/>
+          <dgm:param type="parTxRTLAlign" val="r"/>
+        </dgm:alg>
+        <dgm:shape xmlns:r="http://schemas.openxmlformats.org/officeDocument/2006/relationships" type="roundRect" r:blip="">
+          <dgm:adjLst/>
+        </dgm:shape>
+        <dgm:presOf axis="self"/>
+        <dgm:constrLst>
+          <dgm:constr type="tMarg" refType="primFontSz" fact="0.3"/>
+          <dgm:constr type="bMarg" refType="primFontSz" fact="0.3"/>
+          <dgm:constr type="lMarg" refType="primFontSz" fact="0.3"/>
+          <dgm:constr type="rMarg" refType="primFontSz" fact="0.3"/>
+        </dgm:constrLst>
+        <dgm:ruleLst>
+          <dgm:rule type="h" val="INF" fact="NaN" max="NaN"/>
+        </dgm:ruleLst>
+      </dgm:layoutNode>
+      <dgm:choose name="Name1">
+        <dgm:if name="Name2" axis="ch" ptType="node" func="cnt" op="gte" val="1">
+          <dgm:layoutNode name="childText" styleLbl="revTx">
+            <dgm:varLst>
+              <dgm:bulletEnabled val="1"/>
+            </dgm:varLst>
+            <dgm:alg type="tx">
+              <dgm:param type="stBulletLvl" val="1"/>
+              <dgm:param type="lnSpAfChP" val="20"/>
+            </dgm:alg>
+            <dgm:shape xmlns:r="http://schemas.openxmlformats.org/officeDocument/2006/relationships" type="rect" r:blip="">
+              <dgm:adjLst/>
+            </dgm:shape>
+            <dgm:presOf axis="des" ptType="node"/>
+            <dgm:constrLst>
+              <dgm:constr type="tMarg" refType="primFontSz" fact="0.1"/>
+              <dgm:constr type="bMarg" refType="primFontSz" fact="0.1"/>
+              <dgm:constr type="lMarg" refType="w" fact="0.09"/>
+            </dgm:constrLst>
+            <dgm:ruleLst>
+              <dgm:rule type="h" val="INF" fact="NaN" max="NaN"/>
+            </dgm:ruleLst>
+          </dgm:layoutNode>
+        </dgm:if>
+        <dgm:else name="Name3">
+          <dgm:choose name="Name4">
+            <dgm:if name="Name5" axis="par ch" ptType="doc node" func="cnt" op="gte" val="2">
+              <dgm:forEach name="Name6" axis="followSib" ptType="sibTrans" cnt="1">
+                <dgm:layoutNode name="spacer">
+                  <dgm:alg type="sp"/>
+                  <dgm:shape xmlns:r="http://schemas.openxmlformats.org/officeDocument/2006/relationships" r:blip="">
+                    <dgm:adjLst/>
+                  </dgm:shape>
+                  <dgm:presOf/>
+                  <dgm:constrLst/>
+                  <dgm:ruleLst/>
+                </dgm:layoutNode>
+              </dgm:forEach>
+            </dgm:if>
+            <dgm:else name="Name7"/>
+          </dgm:choose>
+        </dgm:else>
+      </dgm:choose>
+    </dgm:forEach>
+  </dgm:layoutNode>
+</dgm:layoutDef>
+</file>
+
+<file path=ppt/diagrams/layout2.xml><?xml version="1.0" encoding="utf-8"?>
 <dgm:layoutDef xmlns:dgm="http://schemas.openxmlformats.org/drawingml/2006/diagram" xmlns:a="http://schemas.openxmlformats.org/drawingml/2006/main" uniqueId="urn:microsoft.com/office/officeart/2005/8/layout/vList2">
   <dgm:title val=""/>
   <dgm:desc val=""/>
@@ -3199,6 +5029,1040 @@
 </dgm:styleDef>
 </file>
 
+<file path=ppt/diagrams/quickStyle2.xml><?xml version="1.0" encoding="utf-8"?>
+<dgm:styleDef xmlns:dgm="http://schemas.openxmlformats.org/drawingml/2006/diagram" xmlns:a="http://schemas.openxmlformats.org/drawingml/2006/main" uniqueId="urn:microsoft.com/office/officeart/2005/8/quickstyle/simple5">
+  <dgm:title val=""/>
+  <dgm:desc val=""/>
+  <dgm:catLst>
+    <dgm:cat type="simple" pri="10500"/>
+  </dgm:catLst>
+  <dgm:scene3d>
+    <a:camera prst="orthographicFront"/>
+    <a:lightRig rig="threePt" dir="t"/>
+  </dgm:scene3d>
+  <dgm:styleLbl name="node0">
+    <dgm:scene3d>
+      <a:camera prst="orthographicFront"/>
+      <a:lightRig rig="threePt" dir="t"/>
+    </dgm:scene3d>
+    <dgm:sp3d/>
+    <dgm:txPr/>
+    <dgm:style>
+      <a:lnRef idx="0">
+        <a:scrgbClr r="0" g="0" b="0"/>
+      </a:lnRef>
+      <a:fillRef idx="3">
+        <a:scrgbClr r="0" g="0" b="0"/>
+      </a:fillRef>
+      <a:effectRef idx="3">
+        <a:scrgbClr r="0" g="0" b="0"/>
+      </a:effectRef>
+      <a:fontRef idx="minor">
+        <a:schemeClr val="lt1"/>
+      </a:fontRef>
+    </dgm:style>
+  </dgm:styleLbl>
+  <dgm:styleLbl name="lnNode1">
+    <dgm:scene3d>
+      <a:camera prst="orthographicFront"/>
+      <a:lightRig rig="threePt" dir="t"/>
+    </dgm:scene3d>
+    <dgm:sp3d/>
+    <dgm:txPr/>
+    <dgm:style>
+      <a:lnRef idx="0">
+        <a:scrgbClr r="0" g="0" b="0"/>
+      </a:lnRef>
+      <a:fillRef idx="3">
+        <a:scrgbClr r="0" g="0" b="0"/>
+      </a:fillRef>
+      <a:effectRef idx="3">
+        <a:scrgbClr r="0" g="0" b="0"/>
+      </a:effectRef>
+      <a:fontRef idx="minor">
+        <a:schemeClr val="lt1"/>
+      </a:fontRef>
+    </dgm:style>
+  </dgm:styleLbl>
+  <dgm:styleLbl name="vennNode1">
+    <dgm:scene3d>
+      <a:camera prst="orthographicFront"/>
+      <a:lightRig rig="threePt" dir="t"/>
+    </dgm:scene3d>
+    <dgm:sp3d/>
+    <dgm:txPr/>
+    <dgm:style>
+      <a:lnRef idx="0">
+        <a:scrgbClr r="0" g="0" b="0"/>
+      </a:lnRef>
+      <a:fillRef idx="3">
+        <a:scrgbClr r="0" g="0" b="0"/>
+      </a:fillRef>
+      <a:effectRef idx="3">
+        <a:scrgbClr r="0" g="0" b="0"/>
+      </a:effectRef>
+      <a:fontRef idx="minor">
+        <a:schemeClr val="tx1"/>
+      </a:fontRef>
+    </dgm:style>
+  </dgm:styleLbl>
+  <dgm:styleLbl name="alignNode1">
+    <dgm:scene3d>
+      <a:camera prst="orthographicFront"/>
+      <a:lightRig rig="threePt" dir="t"/>
+    </dgm:scene3d>
+    <dgm:sp3d/>
+    <dgm:txPr/>
+    <dgm:style>
+      <a:lnRef idx="1">
+        <a:scrgbClr r="0" g="0" b="0"/>
+      </a:lnRef>
+      <a:fillRef idx="3">
+        <a:scrgbClr r="0" g="0" b="0"/>
+      </a:fillRef>
+      <a:effectRef idx="3">
+        <a:scrgbClr r="0" g="0" b="0"/>
+      </a:effectRef>
+      <a:fontRef idx="minor">
+        <a:schemeClr val="lt1"/>
+      </a:fontRef>
+    </dgm:style>
+  </dgm:styleLbl>
+  <dgm:styleLbl name="node1">
+    <dgm:scene3d>
+      <a:camera prst="orthographicFront"/>
+      <a:lightRig rig="threePt" dir="t"/>
+    </dgm:scene3d>
+    <dgm:sp3d/>
+    <dgm:txPr/>
+    <dgm:style>
+      <a:lnRef idx="0">
+        <a:scrgbClr r="0" g="0" b="0"/>
+      </a:lnRef>
+      <a:fillRef idx="3">
+        <a:scrgbClr r="0" g="0" b="0"/>
+      </a:fillRef>
+      <a:effectRef idx="3">
+        <a:scrgbClr r="0" g="0" b="0"/>
+      </a:effectRef>
+      <a:fontRef idx="minor">
+        <a:schemeClr val="lt1"/>
+      </a:fontRef>
+    </dgm:style>
+  </dgm:styleLbl>
+  <dgm:styleLbl name="node2">
+    <dgm:scene3d>
+      <a:camera prst="orthographicFront"/>
+      <a:lightRig rig="threePt" dir="t"/>
+    </dgm:scene3d>
+    <dgm:sp3d/>
+    <dgm:txPr/>
+    <dgm:style>
+      <a:lnRef idx="0">
+        <a:scrgbClr r="0" g="0" b="0"/>
+      </a:lnRef>
+      <a:fillRef idx="3">
+        <a:scrgbClr r="0" g="0" b="0"/>
+      </a:fillRef>
+      <a:effectRef idx="3">
+        <a:scrgbClr r="0" g="0" b="0"/>
+      </a:effectRef>
+      <a:fontRef idx="minor">
+        <a:schemeClr val="lt1"/>
+      </a:fontRef>
+    </dgm:style>
+  </dgm:styleLbl>
+  <dgm:styleLbl name="node3">
+    <dgm:scene3d>
+      <a:camera prst="orthographicFront"/>
+      <a:lightRig rig="threePt" dir="t"/>
+    </dgm:scene3d>
+    <dgm:sp3d/>
+    <dgm:txPr/>
+    <dgm:style>
+      <a:lnRef idx="0">
+        <a:scrgbClr r="0" g="0" b="0"/>
+      </a:lnRef>
+      <a:fillRef idx="3">
+        <a:scrgbClr r="0" g="0" b="0"/>
+      </a:fillRef>
+      <a:effectRef idx="3">
+        <a:scrgbClr r="0" g="0" b="0"/>
+      </a:effectRef>
+      <a:fontRef idx="minor">
+        <a:schemeClr val="lt1"/>
+      </a:fontRef>
+    </dgm:style>
+  </dgm:styleLbl>
+  <dgm:styleLbl name="node4">
+    <dgm:scene3d>
+      <a:camera prst="orthographicFront"/>
+      <a:lightRig rig="threePt" dir="t"/>
+    </dgm:scene3d>
+    <dgm:sp3d/>
+    <dgm:txPr/>
+    <dgm:style>
+      <a:lnRef idx="0">
+        <a:scrgbClr r="0" g="0" b="0"/>
+      </a:lnRef>
+      <a:fillRef idx="3">
+        <a:scrgbClr r="0" g="0" b="0"/>
+      </a:fillRef>
+      <a:effectRef idx="3">
+        <a:scrgbClr r="0" g="0" b="0"/>
+      </a:effectRef>
+      <a:fontRef idx="minor">
+        <a:schemeClr val="lt1"/>
+      </a:fontRef>
+    </dgm:style>
+  </dgm:styleLbl>
+  <dgm:styleLbl name="fgImgPlace1">
+    <dgm:scene3d>
+      <a:camera prst="orthographicFront"/>
+      <a:lightRig rig="threePt" dir="t"/>
+    </dgm:scene3d>
+    <dgm:sp3d/>
+    <dgm:txPr/>
+    <dgm:style>
+      <a:lnRef idx="0">
+        <a:scrgbClr r="0" g="0" b="0"/>
+      </a:lnRef>
+      <a:fillRef idx="1">
+        <a:scrgbClr r="0" g="0" b="0"/>
+      </a:fillRef>
+      <a:effectRef idx="3">
+        <a:scrgbClr r="0" g="0" b="0"/>
+      </a:effectRef>
+      <a:fontRef idx="minor"/>
+    </dgm:style>
+  </dgm:styleLbl>
+  <dgm:styleLbl name="alignImgPlace1">
+    <dgm:scene3d>
+      <a:camera prst="orthographicFront"/>
+      <a:lightRig rig="threePt" dir="t"/>
+    </dgm:scene3d>
+    <dgm:sp3d/>
+    <dgm:txPr/>
+    <dgm:style>
+      <a:lnRef idx="0">
+        <a:scrgbClr r="0" g="0" b="0"/>
+      </a:lnRef>
+      <a:fillRef idx="1">
+        <a:scrgbClr r="0" g="0" b="0"/>
+      </a:fillRef>
+      <a:effectRef idx="3">
+        <a:scrgbClr r="0" g="0" b="0"/>
+      </a:effectRef>
+      <a:fontRef idx="minor"/>
+    </dgm:style>
+  </dgm:styleLbl>
+  <dgm:styleLbl name="bgImgPlace1">
+    <dgm:scene3d>
+      <a:camera prst="orthographicFront"/>
+      <a:lightRig rig="threePt" dir="t"/>
+    </dgm:scene3d>
+    <dgm:sp3d/>
+    <dgm:txPr/>
+    <dgm:style>
+      <a:lnRef idx="0">
+        <a:scrgbClr r="0" g="0" b="0"/>
+      </a:lnRef>
+      <a:fillRef idx="1">
+        <a:scrgbClr r="0" g="0" b="0"/>
+      </a:fillRef>
+      <a:effectRef idx="3">
+        <a:scrgbClr r="0" g="0" b="0"/>
+      </a:effectRef>
+      <a:fontRef idx="minor"/>
+    </dgm:style>
+  </dgm:styleLbl>
+  <dgm:styleLbl name="sibTrans2D1">
+    <dgm:scene3d>
+      <a:camera prst="orthographicFront"/>
+      <a:lightRig rig="threePt" dir="t"/>
+    </dgm:scene3d>
+    <dgm:sp3d/>
+    <dgm:txPr/>
+    <dgm:style>
+      <a:lnRef idx="0">
+        <a:scrgbClr r="0" g="0" b="0"/>
+      </a:lnRef>
+      <a:fillRef idx="3">
+        <a:scrgbClr r="0" g="0" b="0"/>
+      </a:fillRef>
+      <a:effectRef idx="3">
+        <a:scrgbClr r="0" g="0" b="0"/>
+      </a:effectRef>
+      <a:fontRef idx="minor">
+        <a:schemeClr val="lt1"/>
+      </a:fontRef>
+    </dgm:style>
+  </dgm:styleLbl>
+  <dgm:styleLbl name="fgSibTrans2D1">
+    <dgm:scene3d>
+      <a:camera prst="orthographicFront"/>
+      <a:lightRig rig="threePt" dir="t"/>
+    </dgm:scene3d>
+    <dgm:sp3d/>
+    <dgm:txPr/>
+    <dgm:style>
+      <a:lnRef idx="0">
+        <a:scrgbClr r="0" g="0" b="0"/>
+      </a:lnRef>
+      <a:fillRef idx="3">
+        <a:scrgbClr r="0" g="0" b="0"/>
+      </a:fillRef>
+      <a:effectRef idx="3">
+        <a:scrgbClr r="0" g="0" b="0"/>
+      </a:effectRef>
+      <a:fontRef idx="minor">
+        <a:schemeClr val="lt1"/>
+      </a:fontRef>
+    </dgm:style>
+  </dgm:styleLbl>
+  <dgm:styleLbl name="bgSibTrans2D1">
+    <dgm:scene3d>
+      <a:camera prst="orthographicFront"/>
+      <a:lightRig rig="threePt" dir="t"/>
+    </dgm:scene3d>
+    <dgm:sp3d/>
+    <dgm:txPr/>
+    <dgm:style>
+      <a:lnRef idx="0">
+        <a:scrgbClr r="0" g="0" b="0"/>
+      </a:lnRef>
+      <a:fillRef idx="3">
+        <a:scrgbClr r="0" g="0" b="0"/>
+      </a:fillRef>
+      <a:effectRef idx="3">
+        <a:scrgbClr r="0" g="0" b="0"/>
+      </a:effectRef>
+      <a:fontRef idx="minor">
+        <a:schemeClr val="lt1"/>
+      </a:fontRef>
+    </dgm:style>
+  </dgm:styleLbl>
+  <dgm:styleLbl name="sibTrans1D1">
+    <dgm:scene3d>
+      <a:camera prst="orthographicFront"/>
+      <a:lightRig rig="threePt" dir="t"/>
+    </dgm:scene3d>
+    <dgm:sp3d/>
+    <dgm:txPr/>
+    <dgm:style>
+      <a:lnRef idx="1">
+        <a:scrgbClr r="0" g="0" b="0"/>
+      </a:lnRef>
+      <a:fillRef idx="0">
+        <a:scrgbClr r="0" g="0" b="0"/>
+      </a:fillRef>
+      <a:effectRef idx="0">
+        <a:scrgbClr r="0" g="0" b="0"/>
+      </a:effectRef>
+      <a:fontRef idx="minor"/>
+    </dgm:style>
+  </dgm:styleLbl>
+  <dgm:styleLbl name="callout">
+    <dgm:scene3d>
+      <a:camera prst="orthographicFront"/>
+      <a:lightRig rig="threePt" dir="t"/>
+    </dgm:scene3d>
+    <dgm:sp3d/>
+    <dgm:txPr/>
+    <dgm:style>
+      <a:lnRef idx="1">
+        <a:scrgbClr r="0" g="0" b="0"/>
+      </a:lnRef>
+      <a:fillRef idx="0">
+        <a:scrgbClr r="0" g="0" b="0"/>
+      </a:fillRef>
+      <a:effectRef idx="1">
+        <a:scrgbClr r="0" g="0" b="0"/>
+      </a:effectRef>
+      <a:fontRef idx="minor"/>
+    </dgm:style>
+  </dgm:styleLbl>
+  <dgm:styleLbl name="asst0">
+    <dgm:scene3d>
+      <a:camera prst="orthographicFront"/>
+      <a:lightRig rig="threePt" dir="t"/>
+    </dgm:scene3d>
+    <dgm:sp3d/>
+    <dgm:txPr/>
+    <dgm:style>
+      <a:lnRef idx="0">
+        <a:scrgbClr r="0" g="0" b="0"/>
+      </a:lnRef>
+      <a:fillRef idx="3">
+        <a:scrgbClr r="0" g="0" b="0"/>
+      </a:fillRef>
+      <a:effectRef idx="3">
+        <a:scrgbClr r="0" g="0" b="0"/>
+      </a:effectRef>
+      <a:fontRef idx="minor">
+        <a:schemeClr val="lt1"/>
+      </a:fontRef>
+    </dgm:style>
+  </dgm:styleLbl>
+  <dgm:styleLbl name="asst1">
+    <dgm:scene3d>
+      <a:camera prst="orthographicFront"/>
+      <a:lightRig rig="threePt" dir="t"/>
+    </dgm:scene3d>
+    <dgm:sp3d/>
+    <dgm:txPr/>
+    <dgm:style>
+      <a:lnRef idx="0">
+        <a:scrgbClr r="0" g="0" b="0"/>
+      </a:lnRef>
+      <a:fillRef idx="3">
+        <a:scrgbClr r="0" g="0" b="0"/>
+      </a:fillRef>
+      <a:effectRef idx="3">
+        <a:scrgbClr r="0" g="0" b="0"/>
+      </a:effectRef>
+      <a:fontRef idx="minor">
+        <a:schemeClr val="lt1"/>
+      </a:fontRef>
+    </dgm:style>
+  </dgm:styleLbl>
+  <dgm:styleLbl name="asst2">
+    <dgm:scene3d>
+      <a:camera prst="orthographicFront"/>
+      <a:lightRig rig="threePt" dir="t"/>
+    </dgm:scene3d>
+    <dgm:sp3d/>
+    <dgm:txPr/>
+    <dgm:style>
+      <a:lnRef idx="0">
+        <a:scrgbClr r="0" g="0" b="0"/>
+      </a:lnRef>
+      <a:fillRef idx="3">
+        <a:scrgbClr r="0" g="0" b="0"/>
+      </a:fillRef>
+      <a:effectRef idx="3">
+        <a:scrgbClr r="0" g="0" b="0"/>
+      </a:effectRef>
+      <a:fontRef idx="minor">
+        <a:schemeClr val="lt1"/>
+      </a:fontRef>
+    </dgm:style>
+  </dgm:styleLbl>
+  <dgm:styleLbl name="asst3">
+    <dgm:scene3d>
+      <a:camera prst="orthographicFront"/>
+      <a:lightRig rig="threePt" dir="t"/>
+    </dgm:scene3d>
+    <dgm:sp3d/>
+    <dgm:txPr/>
+    <dgm:style>
+      <a:lnRef idx="0">
+        <a:scrgbClr r="0" g="0" b="0"/>
+      </a:lnRef>
+      <a:fillRef idx="3">
+        <a:scrgbClr r="0" g="0" b="0"/>
+      </a:fillRef>
+      <a:effectRef idx="3">
+        <a:scrgbClr r="0" g="0" b="0"/>
+      </a:effectRef>
+      <a:fontRef idx="minor">
+        <a:schemeClr val="lt1"/>
+      </a:fontRef>
+    </dgm:style>
+  </dgm:styleLbl>
+  <dgm:styleLbl name="asst4">
+    <dgm:scene3d>
+      <a:camera prst="orthographicFront"/>
+      <a:lightRig rig="threePt" dir="t"/>
+    </dgm:scene3d>
+    <dgm:sp3d/>
+    <dgm:txPr/>
+    <dgm:style>
+      <a:lnRef idx="0">
+        <a:scrgbClr r="0" g="0" b="0"/>
+      </a:lnRef>
+      <a:fillRef idx="3">
+        <a:scrgbClr r="0" g="0" b="0"/>
+      </a:fillRef>
+      <a:effectRef idx="3">
+        <a:scrgbClr r="0" g="0" b="0"/>
+      </a:effectRef>
+      <a:fontRef idx="minor">
+        <a:schemeClr val="lt1"/>
+      </a:fontRef>
+    </dgm:style>
+  </dgm:styleLbl>
+  <dgm:styleLbl name="parChTrans2D1">
+    <dgm:scene3d>
+      <a:camera prst="orthographicFront"/>
+      <a:lightRig rig="threePt" dir="t"/>
+    </dgm:scene3d>
+    <dgm:sp3d/>
+    <dgm:txPr/>
+    <dgm:style>
+      <a:lnRef idx="0">
+        <a:scrgbClr r="0" g="0" b="0"/>
+      </a:lnRef>
+      <a:fillRef idx="3">
+        <a:scrgbClr r="0" g="0" b="0"/>
+      </a:fillRef>
+      <a:effectRef idx="3">
+        <a:scrgbClr r="0" g="0" b="0"/>
+      </a:effectRef>
+      <a:fontRef idx="minor">
+        <a:schemeClr val="lt1"/>
+      </a:fontRef>
+    </dgm:style>
+  </dgm:styleLbl>
+  <dgm:styleLbl name="parChTrans2D2">
+    <dgm:scene3d>
+      <a:camera prst="orthographicFront"/>
+      <a:lightRig rig="threePt" dir="t"/>
+    </dgm:scene3d>
+    <dgm:sp3d/>
+    <dgm:txPr/>
+    <dgm:style>
+      <a:lnRef idx="0">
+        <a:scrgbClr r="0" g="0" b="0"/>
+      </a:lnRef>
+      <a:fillRef idx="3">
+        <a:scrgbClr r="0" g="0" b="0"/>
+      </a:fillRef>
+      <a:effectRef idx="3">
+        <a:scrgbClr r="0" g="0" b="0"/>
+      </a:effectRef>
+      <a:fontRef idx="minor">
+        <a:schemeClr val="lt1"/>
+      </a:fontRef>
+    </dgm:style>
+  </dgm:styleLbl>
+  <dgm:styleLbl name="parChTrans2D3">
+    <dgm:scene3d>
+      <a:camera prst="orthographicFront"/>
+      <a:lightRig rig="threePt" dir="t"/>
+    </dgm:scene3d>
+    <dgm:sp3d/>
+    <dgm:txPr/>
+    <dgm:style>
+      <a:lnRef idx="0">
+        <a:scrgbClr r="0" g="0" b="0"/>
+      </a:lnRef>
+      <a:fillRef idx="3">
+        <a:scrgbClr r="0" g="0" b="0"/>
+      </a:fillRef>
+      <a:effectRef idx="3">
+        <a:scrgbClr r="0" g="0" b="0"/>
+      </a:effectRef>
+      <a:fontRef idx="minor">
+        <a:schemeClr val="lt1"/>
+      </a:fontRef>
+    </dgm:style>
+  </dgm:styleLbl>
+  <dgm:styleLbl name="parChTrans2D4">
+    <dgm:scene3d>
+      <a:camera prst="orthographicFront"/>
+      <a:lightRig rig="threePt" dir="t"/>
+    </dgm:scene3d>
+    <dgm:sp3d/>
+    <dgm:txPr/>
+    <dgm:style>
+      <a:lnRef idx="0">
+        <a:scrgbClr r="0" g="0" b="0"/>
+      </a:lnRef>
+      <a:fillRef idx="3">
+        <a:scrgbClr r="0" g="0" b="0"/>
+      </a:fillRef>
+      <a:effectRef idx="3">
+        <a:scrgbClr r="0" g="0" b="0"/>
+      </a:effectRef>
+      <a:fontRef idx="minor">
+        <a:schemeClr val="lt1"/>
+      </a:fontRef>
+    </dgm:style>
+  </dgm:styleLbl>
+  <dgm:styleLbl name="parChTrans1D1">
+    <dgm:scene3d>
+      <a:camera prst="orthographicFront"/>
+      <a:lightRig rig="threePt" dir="t"/>
+    </dgm:scene3d>
+    <dgm:sp3d/>
+    <dgm:txPr/>
+    <dgm:style>
+      <a:lnRef idx="2">
+        <a:scrgbClr r="0" g="0" b="0"/>
+      </a:lnRef>
+      <a:fillRef idx="0">
+        <a:scrgbClr r="0" g="0" b="0"/>
+      </a:fillRef>
+      <a:effectRef idx="0">
+        <a:scrgbClr r="0" g="0" b="0"/>
+      </a:effectRef>
+      <a:fontRef idx="minor"/>
+    </dgm:style>
+  </dgm:styleLbl>
+  <dgm:styleLbl name="parChTrans1D2">
+    <dgm:scene3d>
+      <a:camera prst="orthographicFront"/>
+      <a:lightRig rig="threePt" dir="t"/>
+    </dgm:scene3d>
+    <dgm:sp3d/>
+    <dgm:txPr/>
+    <dgm:style>
+      <a:lnRef idx="2">
+        <a:scrgbClr r="0" g="0" b="0"/>
+      </a:lnRef>
+      <a:fillRef idx="0">
+        <a:scrgbClr r="0" g="0" b="0"/>
+      </a:fillRef>
+      <a:effectRef idx="0">
+        <a:scrgbClr r="0" g="0" b="0"/>
+      </a:effectRef>
+      <a:fontRef idx="minor"/>
+    </dgm:style>
+  </dgm:styleLbl>
+  <dgm:styleLbl name="parChTrans1D3">
+    <dgm:scene3d>
+      <a:camera prst="orthographicFront"/>
+      <a:lightRig rig="threePt" dir="t"/>
+    </dgm:scene3d>
+    <dgm:sp3d/>
+    <dgm:txPr/>
+    <dgm:style>
+      <a:lnRef idx="2">
+        <a:scrgbClr r="0" g="0" b="0"/>
+      </a:lnRef>
+      <a:fillRef idx="0">
+        <a:scrgbClr r="0" g="0" b="0"/>
+      </a:fillRef>
+      <a:effectRef idx="0">
+        <a:scrgbClr r="0" g="0" b="0"/>
+      </a:effectRef>
+      <a:fontRef idx="minor"/>
+    </dgm:style>
+  </dgm:styleLbl>
+  <dgm:styleLbl name="parChTrans1D4">
+    <dgm:scene3d>
+      <a:camera prst="orthographicFront"/>
+      <a:lightRig rig="threePt" dir="t"/>
+    </dgm:scene3d>
+    <dgm:sp3d/>
+    <dgm:txPr/>
+    <dgm:style>
+      <a:lnRef idx="2">
+        <a:scrgbClr r="0" g="0" b="0"/>
+      </a:lnRef>
+      <a:fillRef idx="0">
+        <a:scrgbClr r="0" g="0" b="0"/>
+      </a:fillRef>
+      <a:effectRef idx="0">
+        <a:scrgbClr r="0" g="0" b="0"/>
+      </a:effectRef>
+      <a:fontRef idx="minor"/>
+    </dgm:style>
+  </dgm:styleLbl>
+  <dgm:styleLbl name="fgAcc1">
+    <dgm:scene3d>
+      <a:camera prst="orthographicFront"/>
+      <a:lightRig rig="threePt" dir="t"/>
+    </dgm:scene3d>
+    <dgm:sp3d/>
+    <dgm:txPr/>
+    <dgm:style>
+      <a:lnRef idx="1">
+        <a:scrgbClr r="0" g="0" b="0"/>
+      </a:lnRef>
+      <a:fillRef idx="1">
+        <a:scrgbClr r="0" g="0" b="0"/>
+      </a:fillRef>
+      <a:effectRef idx="2">
+        <a:scrgbClr r="0" g="0" b="0"/>
+      </a:effectRef>
+      <a:fontRef idx="minor"/>
+    </dgm:style>
+  </dgm:styleLbl>
+  <dgm:styleLbl name="conFgAcc1">
+    <dgm:scene3d>
+      <a:camera prst="orthographicFront"/>
+      <a:lightRig rig="threePt" dir="t"/>
+    </dgm:scene3d>
+    <dgm:sp3d/>
+    <dgm:txPr/>
+    <dgm:style>
+      <a:lnRef idx="1">
+        <a:scrgbClr r="0" g="0" b="0"/>
+      </a:lnRef>
+      <a:fillRef idx="1">
+        <a:scrgbClr r="0" g="0" b="0"/>
+      </a:fillRef>
+      <a:effectRef idx="2">
+        <a:scrgbClr r="0" g="0" b="0"/>
+      </a:effectRef>
+      <a:fontRef idx="minor"/>
+    </dgm:style>
+  </dgm:styleLbl>
+  <dgm:styleLbl name="alignAcc1">
+    <dgm:scene3d>
+      <a:camera prst="orthographicFront"/>
+      <a:lightRig rig="threePt" dir="t"/>
+    </dgm:scene3d>
+    <dgm:sp3d/>
+    <dgm:txPr/>
+    <dgm:style>
+      <a:lnRef idx="1">
+        <a:scrgbClr r="0" g="0" b="0"/>
+      </a:lnRef>
+      <a:fillRef idx="1">
+        <a:scrgbClr r="0" g="0" b="0"/>
+      </a:fillRef>
+      <a:effectRef idx="2">
+        <a:scrgbClr r="0" g="0" b="0"/>
+      </a:effectRef>
+      <a:fontRef idx="minor"/>
+    </dgm:style>
+  </dgm:styleLbl>
+  <dgm:styleLbl name="trAlignAcc1">
+    <dgm:scene3d>
+      <a:camera prst="orthographicFront"/>
+      <a:lightRig rig="threePt" dir="t"/>
+    </dgm:scene3d>
+    <dgm:sp3d/>
+    <dgm:txPr/>
+    <dgm:style>
+      <a:lnRef idx="1">
+        <a:scrgbClr r="0" g="0" b="0"/>
+      </a:lnRef>
+      <a:fillRef idx="1">
+        <a:scrgbClr r="0" g="0" b="0"/>
+      </a:fillRef>
+      <a:effectRef idx="0">
+        <a:scrgbClr r="0" g="0" b="0"/>
+      </a:effectRef>
+      <a:fontRef idx="minor"/>
+    </dgm:style>
+  </dgm:styleLbl>
+  <dgm:styleLbl name="bgAcc1">
+    <dgm:scene3d>
+      <a:camera prst="orthographicFront"/>
+      <a:lightRig rig="threePt" dir="t"/>
+    </dgm:scene3d>
+    <dgm:sp3d/>
+    <dgm:txPr/>
+    <dgm:style>
+      <a:lnRef idx="1">
+        <a:scrgbClr r="0" g="0" b="0"/>
+      </a:lnRef>
+      <a:fillRef idx="1">
+        <a:scrgbClr r="0" g="0" b="0"/>
+      </a:fillRef>
+      <a:effectRef idx="2">
+        <a:scrgbClr r="0" g="0" b="0"/>
+      </a:effectRef>
+      <a:fontRef idx="minor"/>
+    </dgm:style>
+  </dgm:styleLbl>
+  <dgm:styleLbl name="solidFgAcc1">
+    <dgm:scene3d>
+      <a:camera prst="orthographicFront"/>
+      <a:lightRig rig="threePt" dir="t"/>
+    </dgm:scene3d>
+    <dgm:sp3d/>
+    <dgm:txPr/>
+    <dgm:style>
+      <a:lnRef idx="1">
+        <a:scrgbClr r="0" g="0" b="0"/>
+      </a:lnRef>
+      <a:fillRef idx="1">
+        <a:scrgbClr r="0" g="0" b="0"/>
+      </a:fillRef>
+      <a:effectRef idx="2">
+        <a:scrgbClr r="0" g="0" b="0"/>
+      </a:effectRef>
+      <a:fontRef idx="minor"/>
+    </dgm:style>
+  </dgm:styleLbl>
+  <dgm:styleLbl name="solidAlignAcc1">
+    <dgm:scene3d>
+      <a:camera prst="orthographicFront"/>
+      <a:lightRig rig="threePt" dir="t"/>
+    </dgm:scene3d>
+    <dgm:sp3d/>
+    <dgm:txPr/>
+    <dgm:style>
+      <a:lnRef idx="1">
+        <a:scrgbClr r="0" g="0" b="0"/>
+      </a:lnRef>
+      <a:fillRef idx="1">
+        <a:scrgbClr r="0" g="0" b="0"/>
+      </a:fillRef>
+      <a:effectRef idx="3">
+        <a:scrgbClr r="0" g="0" b="0"/>
+      </a:effectRef>
+      <a:fontRef idx="minor"/>
+    </dgm:style>
+  </dgm:styleLbl>
+  <dgm:styleLbl name="solidBgAcc1">
+    <dgm:scene3d>
+      <a:camera prst="orthographicFront"/>
+      <a:lightRig rig="threePt" dir="t"/>
+    </dgm:scene3d>
+    <dgm:sp3d/>
+    <dgm:txPr/>
+    <dgm:style>
+      <a:lnRef idx="1">
+        <a:scrgbClr r="0" g="0" b="0"/>
+      </a:lnRef>
+      <a:fillRef idx="1">
+        <a:scrgbClr r="0" g="0" b="0"/>
+      </a:fillRef>
+      <a:effectRef idx="3">
+        <a:scrgbClr r="0" g="0" b="0"/>
+      </a:effectRef>
+      <a:fontRef idx="minor"/>
+    </dgm:style>
+  </dgm:styleLbl>
+  <dgm:styleLbl name="fgAccFollowNode1">
+    <dgm:scene3d>
+      <a:camera prst="orthographicFront"/>
+      <a:lightRig rig="threePt" dir="t"/>
+    </dgm:scene3d>
+    <dgm:sp3d/>
+    <dgm:txPr/>
+    <dgm:style>
+      <a:lnRef idx="1">
+        <a:scrgbClr r="0" g="0" b="0"/>
+      </a:lnRef>
+      <a:fillRef idx="1">
+        <a:scrgbClr r="0" g="0" b="0"/>
+      </a:fillRef>
+      <a:effectRef idx="2">
+        <a:scrgbClr r="0" g="0" b="0"/>
+      </a:effectRef>
+      <a:fontRef idx="minor"/>
+    </dgm:style>
+  </dgm:styleLbl>
+  <dgm:styleLbl name="alignAccFollowNode1">
+    <dgm:scene3d>
+      <a:camera prst="orthographicFront"/>
+      <a:lightRig rig="threePt" dir="t"/>
+    </dgm:scene3d>
+    <dgm:sp3d/>
+    <dgm:txPr/>
+    <dgm:style>
+      <a:lnRef idx="1">
+        <a:scrgbClr r="0" g="0" b="0"/>
+      </a:lnRef>
+      <a:fillRef idx="1">
+        <a:scrgbClr r="0" g="0" b="0"/>
+      </a:fillRef>
+      <a:effectRef idx="2">
+        <a:scrgbClr r="0" g="0" b="0"/>
+      </a:effectRef>
+      <a:fontRef idx="minor"/>
+    </dgm:style>
+  </dgm:styleLbl>
+  <dgm:styleLbl name="bgAccFollowNode1">
+    <dgm:scene3d>
+      <a:camera prst="orthographicFront"/>
+      <a:lightRig rig="threePt" dir="t"/>
+    </dgm:scene3d>
+    <dgm:sp3d/>
+    <dgm:txPr/>
+    <dgm:style>
+      <a:lnRef idx="1">
+        <a:scrgbClr r="0" g="0" b="0"/>
+      </a:lnRef>
+      <a:fillRef idx="1">
+        <a:scrgbClr r="0" g="0" b="0"/>
+      </a:fillRef>
+      <a:effectRef idx="2">
+        <a:scrgbClr r="0" g="0" b="0"/>
+      </a:effectRef>
+      <a:fontRef idx="minor"/>
+    </dgm:style>
+  </dgm:styleLbl>
+  <dgm:styleLbl name="fgAcc0">
+    <dgm:scene3d>
+      <a:camera prst="orthographicFront"/>
+      <a:lightRig rig="threePt" dir="t"/>
+    </dgm:scene3d>
+    <dgm:sp3d/>
+    <dgm:txPr/>
+    <dgm:style>
+      <a:lnRef idx="1">
+        <a:scrgbClr r="0" g="0" b="0"/>
+      </a:lnRef>
+      <a:fillRef idx="1">
+        <a:scrgbClr r="0" g="0" b="0"/>
+      </a:fillRef>
+      <a:effectRef idx="2">
+        <a:scrgbClr r="0" g="0" b="0"/>
+      </a:effectRef>
+      <a:fontRef idx="minor"/>
+    </dgm:style>
+  </dgm:styleLbl>
+  <dgm:styleLbl name="fgAcc2">
+    <dgm:scene3d>
+      <a:camera prst="orthographicFront"/>
+      <a:lightRig rig="threePt" dir="t"/>
+    </dgm:scene3d>
+    <dgm:sp3d/>
+    <dgm:txPr/>
+    <dgm:style>
+      <a:lnRef idx="1">
+        <a:scrgbClr r="0" g="0" b="0"/>
+      </a:lnRef>
+      <a:fillRef idx="1">
+        <a:scrgbClr r="0" g="0" b="0"/>
+      </a:fillRef>
+      <a:effectRef idx="2">
+        <a:scrgbClr r="0" g="0" b="0"/>
+      </a:effectRef>
+      <a:fontRef idx="minor"/>
+    </dgm:style>
+  </dgm:styleLbl>
+  <dgm:styleLbl name="fgAcc3">
+    <dgm:scene3d>
+      <a:camera prst="orthographicFront"/>
+      <a:lightRig rig="threePt" dir="t"/>
+    </dgm:scene3d>
+    <dgm:sp3d/>
+    <dgm:txPr/>
+    <dgm:style>
+      <a:lnRef idx="1">
+        <a:scrgbClr r="0" g="0" b="0"/>
+      </a:lnRef>
+      <a:fillRef idx="1">
+        <a:scrgbClr r="0" g="0" b="0"/>
+      </a:fillRef>
+      <a:effectRef idx="2">
+        <a:scrgbClr r="0" g="0" b="0"/>
+      </a:effectRef>
+      <a:fontRef idx="minor"/>
+    </dgm:style>
+  </dgm:styleLbl>
+  <dgm:styleLbl name="fgAcc4">
+    <dgm:scene3d>
+      <a:camera prst="orthographicFront"/>
+      <a:lightRig rig="threePt" dir="t"/>
+    </dgm:scene3d>
+    <dgm:sp3d/>
+    <dgm:txPr/>
+    <dgm:style>
+      <a:lnRef idx="1">
+        <a:scrgbClr r="0" g="0" b="0"/>
+      </a:lnRef>
+      <a:fillRef idx="1">
+        <a:scrgbClr r="0" g="0" b="0"/>
+      </a:fillRef>
+      <a:effectRef idx="2">
+        <a:scrgbClr r="0" g="0" b="0"/>
+      </a:effectRef>
+      <a:fontRef idx="minor"/>
+    </dgm:style>
+  </dgm:styleLbl>
+  <dgm:styleLbl name="bgShp">
+    <dgm:scene3d>
+      <a:camera prst="orthographicFront"/>
+      <a:lightRig rig="threePt" dir="t"/>
+    </dgm:scene3d>
+    <dgm:sp3d/>
+    <dgm:txPr/>
+    <dgm:style>
+      <a:lnRef idx="0">
+        <a:scrgbClr r="0" g="0" b="0"/>
+      </a:lnRef>
+      <a:fillRef idx="1">
+        <a:scrgbClr r="0" g="0" b="0"/>
+      </a:fillRef>
+      <a:effectRef idx="2">
+        <a:scrgbClr r="0" g="0" b="0"/>
+      </a:effectRef>
+      <a:fontRef idx="minor"/>
+    </dgm:style>
+  </dgm:styleLbl>
+  <dgm:styleLbl name="dkBgShp">
+    <dgm:scene3d>
+      <a:camera prst="orthographicFront"/>
+      <a:lightRig rig="threePt" dir="t"/>
+    </dgm:scene3d>
+    <dgm:sp3d/>
+    <dgm:txPr/>
+    <dgm:style>
+      <a:lnRef idx="0">
+        <a:scrgbClr r="0" g="0" b="0"/>
+      </a:lnRef>
+      <a:fillRef idx="1">
+        <a:scrgbClr r="0" g="0" b="0"/>
+      </a:fillRef>
+      <a:effectRef idx="3">
+        <a:scrgbClr r="0" g="0" b="0"/>
+      </a:effectRef>
+      <a:fontRef idx="minor"/>
+    </dgm:style>
+  </dgm:styleLbl>
+  <dgm:styleLbl name="trBgShp">
+    <dgm:scene3d>
+      <a:camera prst="orthographicFront"/>
+      <a:lightRig rig="threePt" dir="t"/>
+    </dgm:scene3d>
+    <dgm:sp3d/>
+    <dgm:txPr/>
+    <dgm:style>
+      <a:lnRef idx="0">
+        <a:scrgbClr r="0" g="0" b="0"/>
+      </a:lnRef>
+      <a:fillRef idx="1">
+        <a:scrgbClr r="0" g="0" b="0"/>
+      </a:fillRef>
+      <a:effectRef idx="0">
+        <a:scrgbClr r="0" g="0" b="0"/>
+      </a:effectRef>
+      <a:fontRef idx="minor"/>
+    </dgm:style>
+  </dgm:styleLbl>
+  <dgm:styleLbl name="fgShp">
+    <dgm:scene3d>
+      <a:camera prst="orthographicFront"/>
+      <a:lightRig rig="threePt" dir="t"/>
+    </dgm:scene3d>
+    <dgm:sp3d/>
+    <dgm:txPr/>
+    <dgm:style>
+      <a:lnRef idx="0">
+        <a:scrgbClr r="0" g="0" b="0"/>
+      </a:lnRef>
+      <a:fillRef idx="3">
+        <a:scrgbClr r="0" g="0" b="0"/>
+      </a:fillRef>
+      <a:effectRef idx="3">
+        <a:scrgbClr r="0" g="0" b="0"/>
+      </a:effectRef>
+      <a:fontRef idx="minor"/>
+    </dgm:style>
+  </dgm:styleLbl>
+  <dgm:styleLbl name="revTx">
+    <dgm:scene3d>
+      <a:camera prst="orthographicFront"/>
+      <a:lightRig rig="threePt" dir="t"/>
+    </dgm:scene3d>
+    <dgm:sp3d/>
+    <dgm:txPr/>
+    <dgm:style>
+      <a:lnRef idx="0">
+        <a:scrgbClr r="0" g="0" b="0"/>
+      </a:lnRef>
+      <a:fillRef idx="0">
+        <a:scrgbClr r="0" g="0" b="0"/>
+      </a:fillRef>
+      <a:effectRef idx="0">
+        <a:scrgbClr r="0" g="0" b="0"/>
+      </a:effectRef>
+      <a:fontRef idx="minor"/>
+    </dgm:style>
+  </dgm:styleLbl>
+</dgm:styleDef>
+</file>
+
 <file path=ppt/slideLayouts/slideLayout1.xml><?xml version="1.0" encoding="utf-8"?>
 <p:sldLayout xmlns:a="http://schemas.openxmlformats.org/drawingml/2006/main" xmlns:r="http://schemas.openxmlformats.org/officeDocument/2006/relationships" xmlns:p="http://schemas.openxmlformats.org/presentationml/2006/main" showMasterSp="0" type="title" preserve="1">
   <p:cSld name="Title Slide">
@@ -3443,7 +6307,7 @@
           <a:p>
             <a:fld id="{9184DA70-C731-4C70-880D-CCD4705E623C}" type="datetime1">
               <a:rPr lang="en-US" smtClean="0"/>
-              <a:t>12/28/2021</a:t>
+              <a:t>1/6/2022</a:t>
             </a:fld>
             <a:endParaRPr lang="en-US" dirty="0"/>
           </a:p>
@@ -3631,7 +6495,7 @@
           <a:p>
             <a:fld id="{B612A279-0833-481D-8C56-F67FD0AC6C50}" type="datetime1">
               <a:rPr lang="en-US" smtClean="0"/>
-              <a:t>12/28/2021</a:t>
+              <a:t>1/6/2022</a:t>
             </a:fld>
             <a:endParaRPr lang="en-US" dirty="0"/>
           </a:p>
@@ -3873,7 +6737,7 @@
           <a:p>
             <a:fld id="{6587DA83-5663-4C9C-B9AA-0B40A3DAFF81}" type="datetime1">
               <a:rPr lang="en-US" smtClean="0"/>
-              <a:t>12/28/2021</a:t>
+              <a:t>1/6/2022</a:t>
             </a:fld>
             <a:endParaRPr lang="en-US" dirty="0"/>
           </a:p>
@@ -4061,7 +6925,7 @@
           <a:p>
             <a:fld id="{4BE1D723-8F53-4F53-90B0-1982A396982E}" type="datetime1">
               <a:rPr lang="en-US" smtClean="0"/>
-              <a:t>12/28/2021</a:t>
+              <a:t>1/6/2022</a:t>
             </a:fld>
             <a:endParaRPr lang="en-US" dirty="0"/>
           </a:p>
@@ -4434,7 +7298,7 @@
           <a:p>
             <a:fld id="{97669AF7-7BEB-44E4-9852-375E34362B5B}" type="datetime1">
               <a:rPr lang="en-US" smtClean="0"/>
-              <a:t>12/28/2021</a:t>
+              <a:t>1/6/2022</a:t>
             </a:fld>
             <a:endParaRPr lang="en-US" dirty="0"/>
           </a:p>
@@ -4689,7 +7553,7 @@
           <a:p>
             <a:fld id="{BAAAC38D-0552-4C82-B593-E6124DFADBE2}" type="datetime1">
               <a:rPr lang="en-US" smtClean="0"/>
-              <a:t>12/28/2021</a:t>
+              <a:t>1/6/2022</a:t>
             </a:fld>
             <a:endParaRPr lang="en-US" dirty="0"/>
           </a:p>
@@ -5086,7 +7950,7 @@
           <a:p>
             <a:fld id="{D9DF0F1C-5577-4ACB-BB62-DF8F3C494C7E}" type="datetime1">
               <a:rPr lang="en-US" smtClean="0"/>
-              <a:t>12/28/2021</a:t>
+              <a:t>1/6/2022</a:t>
             </a:fld>
             <a:endParaRPr lang="en-US" dirty="0"/>
           </a:p>
@@ -5222,7 +8086,7 @@
           <a:p>
             <a:fld id="{1775B394-D9F9-4F0C-B15D-605F45CB9E9F}" type="datetime1">
               <a:rPr lang="en-US" smtClean="0"/>
-              <a:t>12/28/2021</a:t>
+              <a:t>1/6/2022</a:t>
             </a:fld>
             <a:endParaRPr lang="en-US" dirty="0"/>
           </a:p>
@@ -5379,7 +8243,7 @@
           <a:p>
             <a:fld id="{39667345-2558-425A-8533-9BFDBCE15005}" type="datetime1">
               <a:rPr lang="en-US" smtClean="0"/>
-              <a:t>12/28/2021</a:t>
+              <a:t>1/6/2022</a:t>
             </a:fld>
             <a:endParaRPr lang="en-US" dirty="0"/>
           </a:p>
@@ -5708,7 +8572,7 @@
           <a:p>
             <a:fld id="{92BEA474-078D-4E9B-9B14-09A87B19DC46}" type="datetime1">
               <a:rPr lang="en-US" smtClean="0"/>
-              <a:t>12/28/2021</a:t>
+              <a:t>1/6/2022</a:t>
             </a:fld>
             <a:endParaRPr lang="en-US" dirty="0"/>
           </a:p>
@@ -6058,7 +8922,7 @@
           <a:p>
             <a:fld id="{4907D986-8816-4272-A432-0437A28A9828}" type="datetime1">
               <a:rPr lang="en-US" smtClean="0"/>
-              <a:t>12/28/2021</a:t>
+              <a:t>1/6/2022</a:t>
             </a:fld>
             <a:endParaRPr lang="en-US" dirty="0"/>
           </a:p>
@@ -6319,7 +9183,7 @@
           <a:p>
             <a:fld id="{62D6E202-B606-4609-B914-27C9371A1F6D}" type="datetime1">
               <a:rPr lang="en-US" smtClean="0"/>
-              <a:t>12/28/2021</a:t>
+              <a:t>1/6/2022</a:t>
             </a:fld>
             <a:endParaRPr lang="en-US" dirty="0"/>
           </a:p>
@@ -7155,6 +10019,106 @@
           <p:cNvPr id="2" name="Title 1">
             <a:extLst>
               <a:ext uri="{FF2B5EF4-FFF2-40B4-BE49-F238E27FC236}">
+                <a16:creationId xmlns:a16="http://schemas.microsoft.com/office/drawing/2014/main" id="{78FD68DA-43BA-4508-8DE2-BA9BB7B2FA5B}"/>
+              </a:ext>
+            </a:extLst>
+          </p:cNvPr>
+          <p:cNvSpPr>
+            <a:spLocks noGrp="1"/>
+          </p:cNvSpPr>
+          <p:nvPr>
+            <p:ph type="ctrTitle"/>
+          </p:nvPr>
+        </p:nvSpPr>
+        <p:spPr>
+          <a:xfrm>
+            <a:off x="5265370" y="1297466"/>
+            <a:ext cx="6253317" cy="3055073"/>
+          </a:xfrm>
+        </p:spPr>
+        <p:txBody>
+          <a:bodyPr>
+            <a:noAutofit/>
+          </a:bodyPr>
+          <a:lstStyle/>
+          <a:p>
+            <a:r>
+              <a:rPr lang="en-US" sz="5400" dirty="0"/>
+              <a:t>Deploy to Azure Container Instances (ACI)</a:t>
+            </a:r>
+          </a:p>
+        </p:txBody>
+      </p:sp>
+      <p:pic>
+        <p:nvPicPr>
+          <p:cNvPr id="5" name="Picture 4" descr="A picture containing building, sitting, bench, side&#10;&#10;Description automatically generated">
+            <a:extLst>
+              <a:ext uri="{FF2B5EF4-FFF2-40B4-BE49-F238E27FC236}">
+                <a16:creationId xmlns:a16="http://schemas.microsoft.com/office/drawing/2014/main" id="{282CF6DD-7FE8-4063-9551-1B7BBCE92ABE}"/>
+              </a:ext>
+            </a:extLst>
+          </p:cNvPr>
+          <p:cNvPicPr>
+            <a:picLocks noChangeAspect="1"/>
+          </p:cNvPicPr>
+          <p:nvPr/>
+        </p:nvPicPr>
+        <p:blipFill rotWithShape="1">
+          <a:blip r:embed="rId2">
+            <a:extLst>
+              <a:ext uri="{28A0092B-C50C-407E-A947-70E740481C1C}">
+                <a14:useLocalDpi xmlns:a14="http://schemas.microsoft.com/office/drawing/2010/main" val="0"/>
+              </a:ext>
+            </a:extLst>
+          </a:blip>
+          <a:srcRect/>
+          <a:stretch/>
+        </p:blipFill>
+        <p:spPr>
+          <a:xfrm>
+            <a:off x="-1" y="1"/>
+            <a:ext cx="4635315" cy="6857999"/>
+          </a:xfrm>
+          <a:prstGeom prst="rect">
+            <a:avLst/>
+          </a:prstGeom>
+        </p:spPr>
+      </p:pic>
+    </p:spTree>
+    <p:extLst>
+      <p:ext uri="{BB962C8B-B14F-4D97-AF65-F5344CB8AC3E}">
+        <p14:creationId xmlns:p14="http://schemas.microsoft.com/office/powerpoint/2010/main" val="261897447"/>
+      </p:ext>
+    </p:extLst>
+  </p:cSld>
+  <p:clrMapOvr>
+    <a:masterClrMapping/>
+  </p:clrMapOvr>
+</p:sld>
+</file>
+
+<file path=ppt/slides/slide11.xml><?xml version="1.0" encoding="utf-8"?>
+<p:sld xmlns:a="http://schemas.openxmlformats.org/drawingml/2006/main" xmlns:r="http://schemas.openxmlformats.org/officeDocument/2006/relationships" xmlns:p="http://schemas.openxmlformats.org/presentationml/2006/main">
+  <p:cSld>
+    <p:spTree>
+      <p:nvGrpSpPr>
+        <p:cNvPr id="1" name=""/>
+        <p:cNvGrpSpPr/>
+        <p:nvPr/>
+      </p:nvGrpSpPr>
+      <p:grpSpPr>
+        <a:xfrm>
+          <a:off x="0" y="0"/>
+          <a:ext cx="0" cy="0"/>
+          <a:chOff x="0" y="0"/>
+          <a:chExt cx="0" cy="0"/>
+        </a:xfrm>
+      </p:grpSpPr>
+      <p:sp>
+        <p:nvSpPr>
+          <p:cNvPr id="2" name="Title 1">
+            <a:extLst>
+              <a:ext uri="{FF2B5EF4-FFF2-40B4-BE49-F238E27FC236}">
                 <a16:creationId xmlns:a16="http://schemas.microsoft.com/office/drawing/2014/main" id="{6AD9AFD2-E812-470C-95EA-C50622D65133}"/>
               </a:ext>
             </a:extLst>
@@ -7282,7 +10246,7 @@
 </p:sld>
 </file>
 
-<file path=ppt/slides/slide11.xml><?xml version="1.0" encoding="utf-8"?>
+<file path=ppt/slides/slide12.xml><?xml version="1.0" encoding="utf-8"?>
 <p:sld xmlns:a="http://schemas.openxmlformats.org/drawingml/2006/main" xmlns:r="http://schemas.openxmlformats.org/officeDocument/2006/relationships" xmlns:p="http://schemas.openxmlformats.org/presentationml/2006/main">
   <p:cSld>
     <p:spTree>
@@ -7415,7 +10379,7 @@
 </p:sld>
 </file>
 
-<file path=ppt/slides/slide12.xml><?xml version="1.0" encoding="utf-8"?>
+<file path=ppt/slides/slide13.xml><?xml version="1.0" encoding="utf-8"?>
 <p:sld xmlns:a="http://schemas.openxmlformats.org/drawingml/2006/main" xmlns:r="http://schemas.openxmlformats.org/officeDocument/2006/relationships" xmlns:p="http://schemas.openxmlformats.org/presentationml/2006/main">
   <p:cSld>
     <p:spTree>
@@ -7515,7 +10479,7 @@
 </p:sld>
 </file>
 
-<file path=ppt/slides/slide13.xml><?xml version="1.0" encoding="utf-8"?>
+<file path=ppt/slides/slide14.xml><?xml version="1.0" encoding="utf-8"?>
 <p:sld xmlns:a="http://schemas.openxmlformats.org/drawingml/2006/main" xmlns:r="http://schemas.openxmlformats.org/officeDocument/2006/relationships" xmlns:p="http://schemas.openxmlformats.org/presentationml/2006/main">
   <p:cSld>
     <p:spTree>
@@ -7659,7 +10623,7 @@
 </p:sld>
 </file>
 
-<file path=ppt/slides/slide14.xml><?xml version="1.0" encoding="utf-8"?>
+<file path=ppt/slides/slide15.xml><?xml version="1.0" encoding="utf-8"?>
 <p:sld xmlns:a="http://schemas.openxmlformats.org/drawingml/2006/main" xmlns:r="http://schemas.openxmlformats.org/officeDocument/2006/relationships" xmlns:p="http://schemas.openxmlformats.org/presentationml/2006/main">
   <p:cSld>
     <p:spTree>
@@ -7759,7 +10723,7 @@
 </p:sld>
 </file>
 
-<file path=ppt/slides/slide15.xml><?xml version="1.0" encoding="utf-8"?>
+<file path=ppt/slides/slide16.xml><?xml version="1.0" encoding="utf-8"?>
 <p:sld xmlns:a="http://schemas.openxmlformats.org/drawingml/2006/main" xmlns:r="http://schemas.openxmlformats.org/officeDocument/2006/relationships" xmlns:p="http://schemas.openxmlformats.org/presentationml/2006/main">
   <p:cSld>
     <p:spTree>
@@ -7908,7 +10872,7 @@
 </p:sld>
 </file>
 
-<file path=ppt/slides/slide16.xml><?xml version="1.0" encoding="utf-8"?>
+<file path=ppt/slides/slide17.xml><?xml version="1.0" encoding="utf-8"?>
 <p:sld xmlns:a="http://schemas.openxmlformats.org/drawingml/2006/main" xmlns:r="http://schemas.openxmlformats.org/officeDocument/2006/relationships" xmlns:p="http://schemas.openxmlformats.org/presentationml/2006/main">
   <p:cSld>
     <p:spTree>
@@ -8041,7 +11005,7 @@
 </p:sld>
 </file>
 
-<file path=ppt/slides/slide17.xml><?xml version="1.0" encoding="utf-8"?>
+<file path=ppt/slides/slide18.xml><?xml version="1.0" encoding="utf-8"?>
 <p:sld xmlns:a="http://schemas.openxmlformats.org/drawingml/2006/main" xmlns:r="http://schemas.openxmlformats.org/officeDocument/2006/relationships" xmlns:p="http://schemas.openxmlformats.org/presentationml/2006/main">
   <p:cSld>
     <p:spTree>
@@ -8141,7 +11105,7 @@
 </p:sld>
 </file>
 
-<file path=ppt/slides/slide18.xml><?xml version="1.0" encoding="utf-8"?>
+<file path=ppt/slides/slide19.xml><?xml version="1.0" encoding="utf-8"?>
 <p:sld xmlns:a="http://schemas.openxmlformats.org/drawingml/2006/main" xmlns:r="http://schemas.openxmlformats.org/officeDocument/2006/relationships" xmlns:p="http://schemas.openxmlformats.org/presentationml/2006/main">
   <p:cSld>
     <p:spTree>
@@ -9049,71 +12013,6 @@
           <a:chExt cx="0" cy="0"/>
         </a:xfrm>
       </p:grpSpPr>
-      <p:sp>
-        <p:nvSpPr>
-          <p:cNvPr id="2" name="Title 1">
-            <a:extLst>
-              <a:ext uri="{FF2B5EF4-FFF2-40B4-BE49-F238E27FC236}">
-                <a16:creationId xmlns:a16="http://schemas.microsoft.com/office/drawing/2014/main" id="{6AD9AFD2-E812-470C-95EA-C50622D65133}"/>
-              </a:ext>
-            </a:extLst>
-          </p:cNvPr>
-          <p:cNvSpPr>
-            <a:spLocks noGrp="1"/>
-          </p:cNvSpPr>
-          <p:nvPr>
-            <p:ph type="title"/>
-          </p:nvPr>
-        </p:nvSpPr>
-        <p:spPr>
-          <a:xfrm>
-            <a:off x="643466" y="786383"/>
-            <a:ext cx="3517567" cy="2093975"/>
-          </a:xfrm>
-        </p:spPr>
-        <p:txBody>
-          <a:bodyPr anchor="b">
-            <a:normAutofit/>
-          </a:bodyPr>
-          <a:lstStyle/>
-          <a:p>
-            <a:r>
-              <a:rPr lang="en-US" dirty="0"/>
-              <a:t>Agenda</a:t>
-            </a:r>
-          </a:p>
-        </p:txBody>
-      </p:sp>
-      <p:sp>
-        <p:nvSpPr>
-          <p:cNvPr id="20" name="Text Placeholder 3">
-            <a:extLst>
-              <a:ext uri="{FF2B5EF4-FFF2-40B4-BE49-F238E27FC236}">
-                <a16:creationId xmlns:a16="http://schemas.microsoft.com/office/drawing/2014/main" id="{E9F3E517-89EA-443E-9E18-F239BC1EAB46}"/>
-              </a:ext>
-            </a:extLst>
-          </p:cNvPr>
-          <p:cNvSpPr>
-            <a:spLocks noGrp="1"/>
-          </p:cNvSpPr>
-          <p:nvPr>
-            <p:ph type="body" sz="half" idx="2"/>
-          </p:nvPr>
-        </p:nvSpPr>
-        <p:spPr>
-          <a:xfrm>
-            <a:off x="643465" y="3043050"/>
-            <a:ext cx="3517567" cy="3064505"/>
-          </a:xfrm>
-        </p:spPr>
-        <p:txBody>
-          <a:bodyPr/>
-          <a:lstStyle/>
-          <a:p>
-            <a:endParaRPr lang="en-US"/>
-          </a:p>
-        </p:txBody>
-      </p:sp>
       <p:graphicFrame>
         <p:nvGraphicFramePr>
           <p:cNvPr id="13" name="Content Placeholder 2">
@@ -9130,7 +12029,7 @@
             <p:ph idx="1"/>
             <p:extLst>
               <p:ext uri="{D42A27DB-BD31-4B8C-83A1-F6EECF244321}">
-                <p14:modId xmlns:p14="http://schemas.microsoft.com/office/powerpoint/2010/main" val="712024481"/>
+                <p14:modId xmlns:p14="http://schemas.microsoft.com/office/powerpoint/2010/main" val="2374566231"/>
               </p:ext>
             </p:extLst>
           </p:nvPr>
@@ -9145,6 +12044,60 @@
           </a:graphicData>
         </a:graphic>
       </p:graphicFrame>
+      <p:sp>
+        <p:nvSpPr>
+          <p:cNvPr id="5" name="Title 1">
+            <a:extLst>
+              <a:ext uri="{FF2B5EF4-FFF2-40B4-BE49-F238E27FC236}">
+                <a16:creationId xmlns:a16="http://schemas.microsoft.com/office/drawing/2014/main" id="{A99540E7-252B-47E9-B5FB-8CA1F2FB8020}"/>
+              </a:ext>
+            </a:extLst>
+          </p:cNvPr>
+          <p:cNvSpPr txBox="1">
+            <a:spLocks/>
+          </p:cNvSpPr>
+          <p:nvPr/>
+        </p:nvSpPr>
+        <p:spPr>
+          <a:xfrm>
+            <a:off x="795866" y="2467761"/>
+            <a:ext cx="3517567" cy="564997"/>
+          </a:xfrm>
+          <a:prstGeom prst="rect">
+            <a:avLst/>
+          </a:prstGeom>
+        </p:spPr>
+        <p:txBody>
+          <a:bodyPr vert="horz" lIns="91440" tIns="45720" rIns="91440" bIns="45720" rtlCol="0" anchor="b">
+            <a:normAutofit fontScale="97500" lnSpcReduction="10000"/>
+          </a:bodyPr>
+          <a:lstStyle>
+            <a:lvl1pPr algn="l" defTabSz="914400" rtl="0" eaLnBrk="1" latinLnBrk="0" hangingPunct="1">
+              <a:lnSpc>
+                <a:spcPct val="90000"/>
+              </a:lnSpc>
+              <a:spcBef>
+                <a:spcPct val="0"/>
+              </a:spcBef>
+              <a:buNone/>
+              <a:defRPr sz="3600" b="0" i="0" kern="1200" spc="-50" baseline="0">
+                <a:solidFill>
+                  <a:srgbClr val="FFFFFF"/>
+                </a:solidFill>
+                <a:latin typeface="+mj-lt"/>
+                <a:ea typeface="+mj-ea"/>
+                <a:cs typeface="+mj-cs"/>
+              </a:defRPr>
+            </a:lvl1pPr>
+          </a:lstStyle>
+          <a:p>
+            <a:r>
+              <a:rPr lang="en-US" dirty="0"/>
+              <a:t>Agenda</a:t>
+            </a:r>
+          </a:p>
+        </p:txBody>
+      </p:sp>
     </p:spTree>
     <p:extLst>
       <p:ext uri="{BB962C8B-B14F-4D97-AF65-F5344CB8AC3E}">
@@ -9180,7 +12133,7 @@
           <p:cNvPr id="2" name="Title 1">
             <a:extLst>
               <a:ext uri="{FF2B5EF4-FFF2-40B4-BE49-F238E27FC236}">
-                <a16:creationId xmlns:a16="http://schemas.microsoft.com/office/drawing/2014/main" id="{78FD68DA-43BA-4508-8DE2-BA9BB7B2FA5B}"/>
+                <a16:creationId xmlns:a16="http://schemas.microsoft.com/office/drawing/2014/main" id="{6AD9AFD2-E812-470C-95EA-C50622D65133}"/>
               </a:ext>
             </a:extLst>
           </p:cNvPr>
@@ -9188,67 +12141,192 @@
             <a:spLocks noGrp="1"/>
           </p:cNvSpPr>
           <p:nvPr>
-            <p:ph type="ctrTitle"/>
+            <p:ph type="title"/>
           </p:nvPr>
         </p:nvSpPr>
         <p:spPr>
           <a:xfrm>
-            <a:off x="5265370" y="1297466"/>
-            <a:ext cx="6253317" cy="3055073"/>
+            <a:off x="795865" y="4898150"/>
+            <a:ext cx="3517567" cy="564997"/>
           </a:xfrm>
         </p:spPr>
         <p:txBody>
-          <a:bodyPr>
-            <a:noAutofit/>
+          <a:bodyPr anchor="b">
+            <a:normAutofit fontScale="90000"/>
           </a:bodyPr>
           <a:lstStyle/>
           <a:p>
             <a:r>
-              <a:rPr lang="en-US" sz="5400" dirty="0"/>
-              <a:t>Deploy to Azure Container Instances (ACI)</a:t>
+              <a:rPr lang="en-US" dirty="0"/>
+              <a:t>Responsibility</a:t>
             </a:r>
           </a:p>
         </p:txBody>
       </p:sp>
-      <p:pic>
-        <p:nvPicPr>
-          <p:cNvPr id="5" name="Picture 4" descr="A picture containing building, sitting, bench, side&#10;&#10;Description automatically generated">
+      <p:graphicFrame>
+        <p:nvGraphicFramePr>
+          <p:cNvPr id="13" name="Content Placeholder 2">
             <a:extLst>
               <a:ext uri="{FF2B5EF4-FFF2-40B4-BE49-F238E27FC236}">
-                <a16:creationId xmlns:a16="http://schemas.microsoft.com/office/drawing/2014/main" id="{282CF6DD-7FE8-4063-9551-1B7BBCE92ABE}"/>
+                <a16:creationId xmlns:a16="http://schemas.microsoft.com/office/drawing/2014/main" id="{834F2E66-8EF7-46B5-BEB5-DF3698F005DB}"/>
               </a:ext>
             </a:extLst>
           </p:cNvPr>
-          <p:cNvPicPr>
-            <a:picLocks noChangeAspect="1"/>
-          </p:cNvPicPr>
-          <p:nvPr/>
-        </p:nvPicPr>
-        <p:blipFill rotWithShape="1">
-          <a:blip r:embed="rId2">
+          <p:cNvGraphicFramePr>
+            <a:graphicFrameLocks noGrp="1"/>
+          </p:cNvGraphicFramePr>
+          <p:nvPr>
+            <p:ph idx="1"/>
+            <p:extLst>
+              <p:ext uri="{D42A27DB-BD31-4B8C-83A1-F6EECF244321}">
+                <p14:modId xmlns:p14="http://schemas.microsoft.com/office/powerpoint/2010/main" val="3651154377"/>
+              </p:ext>
+            </p:extLst>
+          </p:nvPr>
+        </p:nvGraphicFramePr>
+        <p:xfrm>
+          <a:off x="5458984" y="812799"/>
+          <a:ext cx="5928344" cy="5294757"/>
+        </p:xfrm>
+        <a:graphic>
+          <a:graphicData uri="http://schemas.openxmlformats.org/drawingml/2006/diagram">
+            <dgm:relIds xmlns:dgm="http://schemas.openxmlformats.org/drawingml/2006/diagram" xmlns:r="http://schemas.openxmlformats.org/officeDocument/2006/relationships" r:dm="rId2" r:lo="rId3" r:qs="rId4" r:cs="rId5"/>
+          </a:graphicData>
+        </a:graphic>
+      </p:graphicFrame>
+      <p:sp>
+        <p:nvSpPr>
+          <p:cNvPr id="5" name="Title 1">
             <a:extLst>
-              <a:ext uri="{28A0092B-C50C-407E-A947-70E740481C1C}">
-                <a14:useLocalDpi xmlns:a14="http://schemas.microsoft.com/office/drawing/2010/main" val="0"/>
+              <a:ext uri="{FF2B5EF4-FFF2-40B4-BE49-F238E27FC236}">
+                <a16:creationId xmlns:a16="http://schemas.microsoft.com/office/drawing/2014/main" id="{A99540E7-252B-47E9-B5FB-8CA1F2FB8020}"/>
               </a:ext>
             </a:extLst>
-          </a:blip>
-          <a:srcRect/>
-          <a:stretch/>
-        </p:blipFill>
+          </p:cNvPr>
+          <p:cNvSpPr txBox="1">
+            <a:spLocks/>
+          </p:cNvSpPr>
+          <p:nvPr/>
+        </p:nvSpPr>
         <p:spPr>
           <a:xfrm>
-            <a:off x="-1" y="1"/>
-            <a:ext cx="4635315" cy="6857999"/>
+            <a:off x="795866" y="2467761"/>
+            <a:ext cx="3517567" cy="564997"/>
           </a:xfrm>
           <a:prstGeom prst="rect">
             <a:avLst/>
           </a:prstGeom>
         </p:spPr>
-      </p:pic>
+        <p:txBody>
+          <a:bodyPr vert="horz" lIns="91440" tIns="45720" rIns="91440" bIns="45720" rtlCol="0" anchor="b">
+            <a:normAutofit fontScale="97500" lnSpcReduction="10000"/>
+          </a:bodyPr>
+          <a:lstStyle>
+            <a:lvl1pPr algn="l" defTabSz="914400" rtl="0" eaLnBrk="1" latinLnBrk="0" hangingPunct="1">
+              <a:lnSpc>
+                <a:spcPct val="90000"/>
+              </a:lnSpc>
+              <a:spcBef>
+                <a:spcPct val="0"/>
+              </a:spcBef>
+              <a:buNone/>
+              <a:defRPr sz="3600" b="0" i="0" kern="1200" spc="-50" baseline="0">
+                <a:solidFill>
+                  <a:srgbClr val="FFFFFF"/>
+                </a:solidFill>
+                <a:latin typeface="+mj-lt"/>
+                <a:ea typeface="+mj-ea"/>
+                <a:cs typeface="+mj-cs"/>
+              </a:defRPr>
+            </a:lvl1pPr>
+          </a:lstStyle>
+          <a:p>
+            <a:r>
+              <a:rPr lang="en-US"/>
+              <a:t>Agenda</a:t>
+            </a:r>
+            <a:endParaRPr lang="en-US" dirty="0"/>
+          </a:p>
+        </p:txBody>
+      </p:sp>
+      <p:sp>
+        <p:nvSpPr>
+          <p:cNvPr id="6" name="Title 1">
+            <a:extLst>
+              <a:ext uri="{FF2B5EF4-FFF2-40B4-BE49-F238E27FC236}">
+                <a16:creationId xmlns:a16="http://schemas.microsoft.com/office/drawing/2014/main" id="{3A94E5B0-A28C-4F2B-83F6-710C48007390}"/>
+              </a:ext>
+            </a:extLst>
+          </p:cNvPr>
+          <p:cNvSpPr txBox="1">
+            <a:spLocks/>
+          </p:cNvSpPr>
+          <p:nvPr/>
+        </p:nvSpPr>
+        <p:spPr>
+          <a:xfrm>
+            <a:off x="1368225" y="5463147"/>
+            <a:ext cx="2945207" cy="715628"/>
+          </a:xfrm>
+          <a:prstGeom prst="rect">
+            <a:avLst/>
+          </a:prstGeom>
+        </p:spPr>
+        <p:txBody>
+          <a:bodyPr vert="horz" lIns="91440" tIns="45720" rIns="91440" bIns="45720" rtlCol="0" anchor="b">
+            <a:normAutofit fontScale="52500" lnSpcReduction="20000"/>
+          </a:bodyPr>
+          <a:lstStyle>
+            <a:lvl1pPr algn="l" defTabSz="914400" rtl="0" eaLnBrk="1" latinLnBrk="0" hangingPunct="1">
+              <a:lnSpc>
+                <a:spcPct val="90000"/>
+              </a:lnSpc>
+              <a:spcBef>
+                <a:spcPct val="0"/>
+              </a:spcBef>
+              <a:buNone/>
+              <a:defRPr sz="3600" b="0" i="0" kern="1200" spc="-50" baseline="0">
+                <a:solidFill>
+                  <a:srgbClr val="FFFFFF"/>
+                </a:solidFill>
+                <a:latin typeface="+mj-lt"/>
+                <a:ea typeface="+mj-ea"/>
+                <a:cs typeface="+mj-cs"/>
+              </a:defRPr>
+            </a:lvl1pPr>
+          </a:lstStyle>
+          <a:p>
+            <a:pPr marL="571500" indent="-571500">
+              <a:lnSpc>
+                <a:spcPct val="120000"/>
+              </a:lnSpc>
+              <a:buFont typeface="Arial" panose="020B0604020202020204" pitchFamily="34" charset="0"/>
+              <a:buChar char="•"/>
+            </a:pPr>
+            <a:r>
+              <a:rPr lang="en-US" dirty="0"/>
+              <a:t>Software Engineer</a:t>
+            </a:r>
+          </a:p>
+          <a:p>
+            <a:pPr marL="571500" indent="-571500">
+              <a:lnSpc>
+                <a:spcPct val="120000"/>
+              </a:lnSpc>
+              <a:buFont typeface="Arial" panose="020B0604020202020204" pitchFamily="34" charset="0"/>
+              <a:buChar char="•"/>
+            </a:pPr>
+            <a:r>
+              <a:rPr lang="en-US" dirty="0"/>
+              <a:t>DevOps Engineer</a:t>
+            </a:r>
+          </a:p>
+        </p:txBody>
+      </p:sp>
     </p:spTree>
     <p:extLst>
       <p:ext uri="{BB962C8B-B14F-4D97-AF65-F5344CB8AC3E}">
-        <p14:creationId xmlns:p14="http://schemas.microsoft.com/office/powerpoint/2010/main" val="261897447"/>
+        <p14:creationId xmlns:p14="http://schemas.microsoft.com/office/powerpoint/2010/main" val="2230102904"/>
       </p:ext>
     </p:extLst>
   </p:cSld>
